--- a/Webapp_java.pptx
+++ b/Webapp_java.pptx
@@ -4,6 +4,9 @@
   <p:sldMasterIdLst>
     <p:sldMasterId id="2147483648" r:id="rId1"/>
   </p:sldMasterIdLst>
+  <p:notesMasterIdLst>
+    <p:notesMasterId r:id="rId33"/>
+  </p:notesMasterIdLst>
   <p:sldIdLst>
     <p:sldId id="256" r:id="rId2"/>
     <p:sldId id="257" r:id="rId3"/>
@@ -31,6 +34,11 @@
     <p:sldId id="284" r:id="rId25"/>
     <p:sldId id="283" r:id="rId26"/>
     <p:sldId id="281" r:id="rId27"/>
+    <p:sldId id="286" r:id="rId28"/>
+    <p:sldId id="285" r:id="rId29"/>
+    <p:sldId id="287" r:id="rId30"/>
+    <p:sldId id="288" r:id="rId31"/>
+    <p:sldId id="289" r:id="rId32"/>
   </p:sldIdLst>
   <p:sldSz cx="12192000" cy="6858000"/>
   <p:notesSz cx="6858000" cy="9144000"/>
@@ -129,7 +137,443 @@
       </a:defRPr>
     </a:lvl9pPr>
   </p:defaultTextStyle>
+  <p:extLst>
+    <p:ext uri="{EFAFB233-063F-42B5-8137-9DF3F51BA10A}">
+      <p15:sldGuideLst xmlns:p15="http://schemas.microsoft.com/office/powerpoint/2012/main"/>
+    </p:ext>
+  </p:extLst>
 </p:presentation>
+</file>
+
+<file path=ppt/notesMasters/notesMaster1.xml><?xml version="1.0" encoding="utf-8"?>
+<p:notesMaster xmlns:a="http://schemas.openxmlformats.org/drawingml/2006/main" xmlns:r="http://schemas.openxmlformats.org/officeDocument/2006/relationships" xmlns:p="http://schemas.openxmlformats.org/presentationml/2006/main">
+  <p:cSld>
+    <p:bg>
+      <p:bgRef idx="1001">
+        <a:schemeClr val="bg1"/>
+      </p:bgRef>
+    </p:bg>
+    <p:spTree>
+      <p:nvGrpSpPr>
+        <p:cNvPr id="1" name=""/>
+        <p:cNvGrpSpPr/>
+        <p:nvPr/>
+      </p:nvGrpSpPr>
+      <p:grpSpPr>
+        <a:xfrm>
+          <a:off x="0" y="0"/>
+          <a:ext cx="0" cy="0"/>
+          <a:chOff x="0" y="0"/>
+          <a:chExt cx="0" cy="0"/>
+        </a:xfrm>
+      </p:grpSpPr>
+      <p:sp>
+        <p:nvSpPr>
+          <p:cNvPr id="2" name="Header Placeholder 1"/>
+          <p:cNvSpPr>
+            <a:spLocks noGrp="1"/>
+          </p:cNvSpPr>
+          <p:nvPr>
+            <p:ph type="hdr" sz="quarter"/>
+          </p:nvPr>
+        </p:nvSpPr>
+        <p:spPr>
+          <a:xfrm>
+            <a:off x="0" y="0"/>
+            <a:ext cx="2971800" cy="458788"/>
+          </a:xfrm>
+          <a:prstGeom prst="rect">
+            <a:avLst/>
+          </a:prstGeom>
+        </p:spPr>
+        <p:txBody>
+          <a:bodyPr vert="horz" lIns="91440" tIns="45720" rIns="91440" bIns="45720" rtlCol="0"/>
+          <a:lstStyle>
+            <a:lvl1pPr algn="l">
+              <a:defRPr sz="1200"/>
+            </a:lvl1pPr>
+          </a:lstStyle>
+          <a:p>
+            <a:endParaRPr lang="en-US"/>
+          </a:p>
+        </p:txBody>
+      </p:sp>
+      <p:sp>
+        <p:nvSpPr>
+          <p:cNvPr id="3" name="Date Placeholder 2"/>
+          <p:cNvSpPr>
+            <a:spLocks noGrp="1"/>
+          </p:cNvSpPr>
+          <p:nvPr>
+            <p:ph type="dt" idx="1"/>
+          </p:nvPr>
+        </p:nvSpPr>
+        <p:spPr>
+          <a:xfrm>
+            <a:off x="3884613" y="0"/>
+            <a:ext cx="2971800" cy="458788"/>
+          </a:xfrm>
+          <a:prstGeom prst="rect">
+            <a:avLst/>
+          </a:prstGeom>
+        </p:spPr>
+        <p:txBody>
+          <a:bodyPr vert="horz" lIns="91440" tIns="45720" rIns="91440" bIns="45720" rtlCol="0"/>
+          <a:lstStyle>
+            <a:lvl1pPr algn="r">
+              <a:defRPr sz="1200"/>
+            </a:lvl1pPr>
+          </a:lstStyle>
+          <a:p>
+            <a:fld id="{57D91F3D-943A-D943-953A-95CE0700992C}" type="datetimeFigureOut">
+              <a:t>4/3/16</a:t>
+            </a:fld>
+            <a:endParaRPr lang="en-US"/>
+          </a:p>
+        </p:txBody>
+      </p:sp>
+      <p:sp>
+        <p:nvSpPr>
+          <p:cNvPr id="4" name="Slide Image Placeholder 3"/>
+          <p:cNvSpPr>
+            <a:spLocks noGrp="1" noRot="1" noChangeAspect="1"/>
+          </p:cNvSpPr>
+          <p:nvPr>
+            <p:ph type="sldImg" idx="2"/>
+          </p:nvPr>
+        </p:nvSpPr>
+        <p:spPr>
+          <a:xfrm>
+            <a:off x="685800" y="1143000"/>
+            <a:ext cx="5486400" cy="3086100"/>
+          </a:xfrm>
+          <a:prstGeom prst="rect">
+            <a:avLst/>
+          </a:prstGeom>
+          <a:noFill/>
+          <a:ln w="12700">
+            <a:solidFill>
+              <a:prstClr val="black"/>
+            </a:solidFill>
+          </a:ln>
+        </p:spPr>
+        <p:txBody>
+          <a:bodyPr vert="horz" lIns="91440" tIns="45720" rIns="91440" bIns="45720" rtlCol="0" anchor="ctr"/>
+          <a:lstStyle/>
+          <a:p>
+            <a:endParaRPr lang="en-US"/>
+          </a:p>
+        </p:txBody>
+      </p:sp>
+      <p:sp>
+        <p:nvSpPr>
+          <p:cNvPr id="5" name="Notes Placeholder 4"/>
+          <p:cNvSpPr>
+            <a:spLocks noGrp="1"/>
+          </p:cNvSpPr>
+          <p:nvPr>
+            <p:ph type="body" sz="quarter" idx="3"/>
+          </p:nvPr>
+        </p:nvSpPr>
+        <p:spPr>
+          <a:xfrm>
+            <a:off x="685800" y="4400550"/>
+            <a:ext cx="5486400" cy="3600450"/>
+          </a:xfrm>
+          <a:prstGeom prst="rect">
+            <a:avLst/>
+          </a:prstGeom>
+        </p:spPr>
+        <p:txBody>
+          <a:bodyPr vert="horz" lIns="91440" tIns="45720" rIns="91440" bIns="45720" rtlCol="0"/>
+          <a:lstStyle/>
+          <a:p>
+            <a:pPr lvl="0"/>
+            <a:r>
+              <a:rPr lang="sv-SE"/>
+              <a:t>Click to edit Master text styles</a:t>
+            </a:r>
+          </a:p>
+          <a:p>
+            <a:pPr lvl="1"/>
+            <a:r>
+              <a:rPr lang="sv-SE"/>
+              <a:t>Second level</a:t>
+            </a:r>
+          </a:p>
+          <a:p>
+            <a:pPr lvl="2"/>
+            <a:r>
+              <a:rPr lang="sv-SE"/>
+              <a:t>Third level</a:t>
+            </a:r>
+          </a:p>
+          <a:p>
+            <a:pPr lvl="3"/>
+            <a:r>
+              <a:rPr lang="sv-SE"/>
+              <a:t>Fourth level</a:t>
+            </a:r>
+          </a:p>
+          <a:p>
+            <a:pPr lvl="4"/>
+            <a:r>
+              <a:rPr lang="sv-SE"/>
+              <a:t>Fifth level</a:t>
+            </a:r>
+            <a:endParaRPr lang="en-US"/>
+          </a:p>
+        </p:txBody>
+      </p:sp>
+      <p:sp>
+        <p:nvSpPr>
+          <p:cNvPr id="6" name="Footer Placeholder 5"/>
+          <p:cNvSpPr>
+            <a:spLocks noGrp="1"/>
+          </p:cNvSpPr>
+          <p:nvPr>
+            <p:ph type="ftr" sz="quarter" idx="4"/>
+          </p:nvPr>
+        </p:nvSpPr>
+        <p:spPr>
+          <a:xfrm>
+            <a:off x="0" y="8685213"/>
+            <a:ext cx="2971800" cy="458787"/>
+          </a:xfrm>
+          <a:prstGeom prst="rect">
+            <a:avLst/>
+          </a:prstGeom>
+        </p:spPr>
+        <p:txBody>
+          <a:bodyPr vert="horz" lIns="91440" tIns="45720" rIns="91440" bIns="45720" rtlCol="0" anchor="b"/>
+          <a:lstStyle>
+            <a:lvl1pPr algn="l">
+              <a:defRPr sz="1200"/>
+            </a:lvl1pPr>
+          </a:lstStyle>
+          <a:p>
+            <a:endParaRPr lang="en-US"/>
+          </a:p>
+        </p:txBody>
+      </p:sp>
+      <p:sp>
+        <p:nvSpPr>
+          <p:cNvPr id="7" name="Slide Number Placeholder 6"/>
+          <p:cNvSpPr>
+            <a:spLocks noGrp="1"/>
+          </p:cNvSpPr>
+          <p:nvPr>
+            <p:ph type="sldNum" sz="quarter" idx="5"/>
+          </p:nvPr>
+        </p:nvSpPr>
+        <p:spPr>
+          <a:xfrm>
+            <a:off x="3884613" y="8685213"/>
+            <a:ext cx="2971800" cy="458787"/>
+          </a:xfrm>
+          <a:prstGeom prst="rect">
+            <a:avLst/>
+          </a:prstGeom>
+        </p:spPr>
+        <p:txBody>
+          <a:bodyPr vert="horz" lIns="91440" tIns="45720" rIns="91440" bIns="45720" rtlCol="0" anchor="b"/>
+          <a:lstStyle>
+            <a:lvl1pPr algn="r">
+              <a:defRPr sz="1200"/>
+            </a:lvl1pPr>
+          </a:lstStyle>
+          <a:p>
+            <a:fld id="{9EE40F87-81F4-AE4D-BB60-5F9BC9611A1E}" type="slidenum">
+              <a:t>‹#›</a:t>
+            </a:fld>
+            <a:endParaRPr lang="en-US"/>
+          </a:p>
+        </p:txBody>
+      </p:sp>
+    </p:spTree>
+    <p:extLst>
+      <p:ext uri="{BB962C8B-B14F-4D97-AF65-F5344CB8AC3E}">
+        <p14:creationId xmlns:p14="http://schemas.microsoft.com/office/powerpoint/2010/main" val="1667892783"/>
+      </p:ext>
+    </p:extLst>
+  </p:cSld>
+  <p:clrMap bg1="lt1" tx1="dk1" bg2="lt2" tx2="dk2" accent1="accent1" accent2="accent2" accent3="accent3" accent4="accent4" accent5="accent5" accent6="accent6" hlink="hlink" folHlink="folHlink"/>
+  <p:notesStyle>
+    <a:lvl1pPr marL="0" algn="l" defTabSz="914400" rtl="0" eaLnBrk="1" latinLnBrk="0" hangingPunct="1">
+      <a:defRPr sz="1200" kern="1200">
+        <a:solidFill>
+          <a:schemeClr val="tx1"/>
+        </a:solidFill>
+        <a:latin typeface="+mn-lt"/>
+        <a:ea typeface="+mn-ea"/>
+        <a:cs typeface="+mn-cs"/>
+      </a:defRPr>
+    </a:lvl1pPr>
+    <a:lvl2pPr marL="457200" algn="l" defTabSz="914400" rtl="0" eaLnBrk="1" latinLnBrk="0" hangingPunct="1">
+      <a:defRPr sz="1200" kern="1200">
+        <a:solidFill>
+          <a:schemeClr val="tx1"/>
+        </a:solidFill>
+        <a:latin typeface="+mn-lt"/>
+        <a:ea typeface="+mn-ea"/>
+        <a:cs typeface="+mn-cs"/>
+      </a:defRPr>
+    </a:lvl2pPr>
+    <a:lvl3pPr marL="914400" algn="l" defTabSz="914400" rtl="0" eaLnBrk="1" latinLnBrk="0" hangingPunct="1">
+      <a:defRPr sz="1200" kern="1200">
+        <a:solidFill>
+          <a:schemeClr val="tx1"/>
+        </a:solidFill>
+        <a:latin typeface="+mn-lt"/>
+        <a:ea typeface="+mn-ea"/>
+        <a:cs typeface="+mn-cs"/>
+      </a:defRPr>
+    </a:lvl3pPr>
+    <a:lvl4pPr marL="1371600" algn="l" defTabSz="914400" rtl="0" eaLnBrk="1" latinLnBrk="0" hangingPunct="1">
+      <a:defRPr sz="1200" kern="1200">
+        <a:solidFill>
+          <a:schemeClr val="tx1"/>
+        </a:solidFill>
+        <a:latin typeface="+mn-lt"/>
+        <a:ea typeface="+mn-ea"/>
+        <a:cs typeface="+mn-cs"/>
+      </a:defRPr>
+    </a:lvl4pPr>
+    <a:lvl5pPr marL="1828800" algn="l" defTabSz="914400" rtl="0" eaLnBrk="1" latinLnBrk="0" hangingPunct="1">
+      <a:defRPr sz="1200" kern="1200">
+        <a:solidFill>
+          <a:schemeClr val="tx1"/>
+        </a:solidFill>
+        <a:latin typeface="+mn-lt"/>
+        <a:ea typeface="+mn-ea"/>
+        <a:cs typeface="+mn-cs"/>
+      </a:defRPr>
+    </a:lvl5pPr>
+    <a:lvl6pPr marL="2286000" algn="l" defTabSz="914400" rtl="0" eaLnBrk="1" latinLnBrk="0" hangingPunct="1">
+      <a:defRPr sz="1200" kern="1200">
+        <a:solidFill>
+          <a:schemeClr val="tx1"/>
+        </a:solidFill>
+        <a:latin typeface="+mn-lt"/>
+        <a:ea typeface="+mn-ea"/>
+        <a:cs typeface="+mn-cs"/>
+      </a:defRPr>
+    </a:lvl6pPr>
+    <a:lvl7pPr marL="2743200" algn="l" defTabSz="914400" rtl="0" eaLnBrk="1" latinLnBrk="0" hangingPunct="1">
+      <a:defRPr sz="1200" kern="1200">
+        <a:solidFill>
+          <a:schemeClr val="tx1"/>
+        </a:solidFill>
+        <a:latin typeface="+mn-lt"/>
+        <a:ea typeface="+mn-ea"/>
+        <a:cs typeface="+mn-cs"/>
+      </a:defRPr>
+    </a:lvl7pPr>
+    <a:lvl8pPr marL="3200400" algn="l" defTabSz="914400" rtl="0" eaLnBrk="1" latinLnBrk="0" hangingPunct="1">
+      <a:defRPr sz="1200" kern="1200">
+        <a:solidFill>
+          <a:schemeClr val="tx1"/>
+        </a:solidFill>
+        <a:latin typeface="+mn-lt"/>
+        <a:ea typeface="+mn-ea"/>
+        <a:cs typeface="+mn-cs"/>
+      </a:defRPr>
+    </a:lvl8pPr>
+    <a:lvl9pPr marL="3657600" algn="l" defTabSz="914400" rtl="0" eaLnBrk="1" latinLnBrk="0" hangingPunct="1">
+      <a:defRPr sz="1200" kern="1200">
+        <a:solidFill>
+          <a:schemeClr val="tx1"/>
+        </a:solidFill>
+        <a:latin typeface="+mn-lt"/>
+        <a:ea typeface="+mn-ea"/>
+        <a:cs typeface="+mn-cs"/>
+      </a:defRPr>
+    </a:lvl9pPr>
+  </p:notesStyle>
+</p:notesMaster>
+</file>
+
+<file path=ppt/notesSlides/notesSlide1.xml><?xml version="1.0" encoding="utf-8"?>
+<p:notes xmlns:a="http://schemas.openxmlformats.org/drawingml/2006/main" xmlns:r="http://schemas.openxmlformats.org/officeDocument/2006/relationships" xmlns:p="http://schemas.openxmlformats.org/presentationml/2006/main">
+  <p:cSld>
+    <p:spTree>
+      <p:nvGrpSpPr>
+        <p:cNvPr id="1" name=""/>
+        <p:cNvGrpSpPr/>
+        <p:nvPr/>
+      </p:nvGrpSpPr>
+      <p:grpSpPr>
+        <a:xfrm>
+          <a:off x="0" y="0"/>
+          <a:ext cx="0" cy="0"/>
+          <a:chOff x="0" y="0"/>
+          <a:chExt cx="0" cy="0"/>
+        </a:xfrm>
+      </p:grpSpPr>
+      <p:sp>
+        <p:nvSpPr>
+          <p:cNvPr id="2" name="Slide Image Placeholder 1"/>
+          <p:cNvSpPr>
+            <a:spLocks noGrp="1" noRot="1" noChangeAspect="1"/>
+          </p:cNvSpPr>
+          <p:nvPr>
+            <p:ph type="sldImg"/>
+          </p:nvPr>
+        </p:nvSpPr>
+        <p:spPr/>
+      </p:sp>
+      <p:sp>
+        <p:nvSpPr>
+          <p:cNvPr id="3" name="Notes Placeholder 2"/>
+          <p:cNvSpPr>
+            <a:spLocks noGrp="1"/>
+          </p:cNvSpPr>
+          <p:nvPr>
+            <p:ph type="body" idx="1"/>
+          </p:nvPr>
+        </p:nvSpPr>
+        <p:spPr/>
+        <p:txBody>
+          <a:bodyPr/>
+          <a:lstStyle/>
+          <a:p>
+            <a:endParaRPr lang="en-US"/>
+          </a:p>
+        </p:txBody>
+      </p:sp>
+      <p:sp>
+        <p:nvSpPr>
+          <p:cNvPr id="4" name="Slide Number Placeholder 3"/>
+          <p:cNvSpPr>
+            <a:spLocks noGrp="1"/>
+          </p:cNvSpPr>
+          <p:nvPr>
+            <p:ph type="sldNum" sz="quarter" idx="10"/>
+          </p:nvPr>
+        </p:nvSpPr>
+        <p:spPr/>
+        <p:txBody>
+          <a:bodyPr/>
+          <a:lstStyle/>
+          <a:p>
+            <a:fld id="{9EE40F87-81F4-AE4D-BB60-5F9BC9611A1E}" type="slidenum">
+              <a:t>28</a:t>
+            </a:fld>
+            <a:endParaRPr lang="en-US"/>
+          </a:p>
+        </p:txBody>
+      </p:sp>
+    </p:spTree>
+    <p:extLst>
+      <p:ext uri="{BB962C8B-B14F-4D97-AF65-F5344CB8AC3E}">
+        <p14:creationId xmlns:p14="http://schemas.microsoft.com/office/powerpoint/2010/main" val="1169959590"/>
+      </p:ext>
+    </p:extLst>
+  </p:cSld>
+  <p:clrMapOvr>
+    <a:masterClrMapping/>
+  </p:clrMapOvr>
+</p:notes>
 </file>
 
 <file path=ppt/slideLayouts/slideLayout1.xml><?xml version="1.0" encoding="utf-8"?>
@@ -262,7 +706,7 @@
           <a:lstStyle/>
           <a:p>
             <a:fld id="{547968EC-E478-D740-9239-18B19A4D32F9}" type="datetimeFigureOut">
-              <a:t>3/19/16</a:t>
+              <a:t>4/2/16</a:t>
             </a:fld>
             <a:endParaRPr lang="en-US"/>
           </a:p>
@@ -430,7 +874,7 @@
           <a:lstStyle/>
           <a:p>
             <a:fld id="{547968EC-E478-D740-9239-18B19A4D32F9}" type="datetimeFigureOut">
-              <a:t>3/19/16</a:t>
+              <a:t>4/2/16</a:t>
             </a:fld>
             <a:endParaRPr lang="en-US"/>
           </a:p>
@@ -608,7 +1052,7 @@
           <a:lstStyle/>
           <a:p>
             <a:fld id="{547968EC-E478-D740-9239-18B19A4D32F9}" type="datetimeFigureOut">
-              <a:t>3/19/16</a:t>
+              <a:t>4/2/16</a:t>
             </a:fld>
             <a:endParaRPr lang="en-US"/>
           </a:p>
@@ -776,7 +1220,7 @@
           <a:lstStyle/>
           <a:p>
             <a:fld id="{547968EC-E478-D740-9239-18B19A4D32F9}" type="datetimeFigureOut">
-              <a:t>3/19/16</a:t>
+              <a:t>4/2/16</a:t>
             </a:fld>
             <a:endParaRPr lang="en-US"/>
           </a:p>
@@ -1020,7 +1464,7 @@
           <a:lstStyle/>
           <a:p>
             <a:fld id="{547968EC-E478-D740-9239-18B19A4D32F9}" type="datetimeFigureOut">
-              <a:t>3/19/16</a:t>
+              <a:t>4/2/16</a:t>
             </a:fld>
             <a:endParaRPr lang="en-US"/>
           </a:p>
@@ -1250,7 +1694,7 @@
           <a:lstStyle/>
           <a:p>
             <a:fld id="{547968EC-E478-D740-9239-18B19A4D32F9}" type="datetimeFigureOut">
-              <a:t>3/19/16</a:t>
+              <a:t>4/2/16</a:t>
             </a:fld>
             <a:endParaRPr lang="en-US"/>
           </a:p>
@@ -1615,7 +2059,7 @@
           <a:lstStyle/>
           <a:p>
             <a:fld id="{547968EC-E478-D740-9239-18B19A4D32F9}" type="datetimeFigureOut">
-              <a:t>3/19/16</a:t>
+              <a:t>4/2/16</a:t>
             </a:fld>
             <a:endParaRPr lang="en-US"/>
           </a:p>
@@ -1731,7 +2175,7 @@
           <a:lstStyle/>
           <a:p>
             <a:fld id="{547968EC-E478-D740-9239-18B19A4D32F9}" type="datetimeFigureOut">
-              <a:t>3/19/16</a:t>
+              <a:t>4/2/16</a:t>
             </a:fld>
             <a:endParaRPr lang="en-US"/>
           </a:p>
@@ -1824,7 +2268,7 @@
           <a:lstStyle/>
           <a:p>
             <a:fld id="{547968EC-E478-D740-9239-18B19A4D32F9}" type="datetimeFigureOut">
-              <a:t>3/19/16</a:t>
+              <a:t>4/2/16</a:t>
             </a:fld>
             <a:endParaRPr lang="en-US"/>
           </a:p>
@@ -2099,7 +2543,7 @@
           <a:lstStyle/>
           <a:p>
             <a:fld id="{547968EC-E478-D740-9239-18B19A4D32F9}" type="datetimeFigureOut">
-              <a:t>3/19/16</a:t>
+              <a:t>4/2/16</a:t>
             </a:fld>
             <a:endParaRPr lang="en-US"/>
           </a:p>
@@ -2350,7 +2794,7 @@
           <a:lstStyle/>
           <a:p>
             <a:fld id="{547968EC-E478-D740-9239-18B19A4D32F9}" type="datetimeFigureOut">
-              <a:t>3/19/16</a:t>
+              <a:t>4/2/16</a:t>
             </a:fld>
             <a:endParaRPr lang="en-US"/>
           </a:p>
@@ -2561,7 +3005,7 @@
           </a:lstStyle>
           <a:p>
             <a:fld id="{547968EC-E478-D740-9239-18B19A4D32F9}" type="datetimeFigureOut">
-              <a:t>3/19/16</a:t>
+              <a:t>4/2/16</a:t>
             </a:fld>
             <a:endParaRPr lang="en-US"/>
           </a:p>
@@ -3068,7 +3512,6 @@
               <a:rPr lang="en-US"/>
               <a:t>Spring web</a:t>
             </a:r>
-            <a:endParaRPr lang="en-US"/>
           </a:p>
         </p:txBody>
       </p:sp>
@@ -3281,7 +3724,6 @@
               <a:rPr lang="en-US"/>
               <a:t>Tomcat &amp; Jetty</a:t>
             </a:r>
-            <a:endParaRPr lang="en-US"/>
           </a:p>
         </p:txBody>
       </p:sp>
@@ -3385,7 +3827,6 @@
               <a:rPr lang="en-US"/>
               <a:t>Tomcat &amp; Jetty</a:t>
             </a:r>
-            <a:endParaRPr lang="en-US"/>
           </a:p>
         </p:txBody>
       </p:sp>
@@ -3557,7 +3998,6 @@
               <a:rPr lang="en-US"/>
               <a:t>MariaDB/MySQL</a:t>
             </a:r>
-            <a:endParaRPr lang="en-US"/>
           </a:p>
         </p:txBody>
       </p:sp>
@@ -3664,7 +4104,6 @@
               <a:rPr lang="en-US"/>
               <a:t>MariaDB/MySQL</a:t>
             </a:r>
-            <a:endParaRPr lang="en-US"/>
           </a:p>
         </p:txBody>
       </p:sp>
@@ -3839,7 +4278,6 @@
               <a:rPr lang="en-US"/>
               <a:t>Hibernate</a:t>
             </a:r>
-            <a:endParaRPr lang="en-US"/>
           </a:p>
         </p:txBody>
       </p:sp>
@@ -3946,7 +4384,6 @@
               <a:rPr lang="en-US"/>
               <a:t>Hibernate</a:t>
             </a:r>
-            <a:endParaRPr lang="en-US"/>
           </a:p>
         </p:txBody>
       </p:sp>
@@ -4121,7 +4558,6 @@
               <a:rPr lang="en-US"/>
               <a:t>REST</a:t>
             </a:r>
-            <a:endParaRPr lang="en-US"/>
           </a:p>
         </p:txBody>
       </p:sp>
@@ -4216,7 +4652,6 @@
               <a:rPr lang="en-US"/>
               <a:t>REST</a:t>
             </a:r>
-            <a:endParaRPr lang="en-US"/>
           </a:p>
         </p:txBody>
       </p:sp>
@@ -4332,7 +4767,6 @@
               <a:rPr lang="en-US"/>
               <a:t>REST</a:t>
             </a:r>
-            <a:endParaRPr lang="en-US"/>
           </a:p>
         </p:txBody>
       </p:sp>
@@ -4650,7 +5084,6 @@
               <a:rPr lang="en-US" sz="2000"/>
               <a:t>	(REST)</a:t>
             </a:r>
-            <a:endParaRPr lang="en-US" sz="2000"/>
           </a:p>
           <a:p>
             <a:pPr marL="0" indent="0">
@@ -4709,7 +5142,6 @@
               <a:rPr lang="en-US"/>
               <a:t>REST</a:t>
             </a:r>
-            <a:endParaRPr lang="en-US"/>
           </a:p>
         </p:txBody>
       </p:sp>
@@ -4878,7 +5310,6 @@
               <a:rPr lang="en-US"/>
               <a:t>REST</a:t>
             </a:r>
-            <a:endParaRPr lang="en-US"/>
           </a:p>
         </p:txBody>
       </p:sp>
@@ -5496,7 +5927,6 @@
               <a:rPr lang="en-US"/>
               <a:t>REST</a:t>
             </a:r>
-            <a:endParaRPr lang="en-US"/>
           </a:p>
         </p:txBody>
       </p:sp>
@@ -5622,7 +6052,6 @@
               <a:rPr lang="en-US"/>
               <a:t>REST</a:t>
             </a:r>
-            <a:endParaRPr lang="en-US"/>
           </a:p>
         </p:txBody>
       </p:sp>
@@ -5760,7 +6189,6 @@
               <a:rPr lang="en-US"/>
               <a:t>REST</a:t>
             </a:r>
-            <a:endParaRPr lang="en-US"/>
           </a:p>
         </p:txBody>
       </p:sp>
@@ -5910,7 +6338,6 @@
               <a:rPr lang="en-US"/>
               <a:t>REST</a:t>
             </a:r>
-            <a:endParaRPr lang="en-US"/>
           </a:p>
         </p:txBody>
       </p:sp>
@@ -6072,7 +6499,6 @@
               <a:rPr lang="en-US"/>
               <a:t>REST</a:t>
             </a:r>
-            <a:endParaRPr lang="en-US"/>
           </a:p>
         </p:txBody>
       </p:sp>
@@ -6265,6 +6691,741 @@
     <p:extLst>
       <p:ext uri="{BB962C8B-B14F-4D97-AF65-F5344CB8AC3E}">
         <p14:creationId xmlns:p14="http://schemas.microsoft.com/office/powerpoint/2010/main" val="1881861263"/>
+      </p:ext>
+    </p:extLst>
+  </p:cSld>
+  <p:clrMapOvr>
+    <a:masterClrMapping/>
+  </p:clrMapOvr>
+</p:sld>
+</file>
+
+<file path=ppt/slides/slide27.xml><?xml version="1.0" encoding="utf-8"?>
+<p:sld xmlns:a="http://schemas.openxmlformats.org/drawingml/2006/main" xmlns:r="http://schemas.openxmlformats.org/officeDocument/2006/relationships" xmlns:p="http://schemas.openxmlformats.org/presentationml/2006/main">
+  <p:cSld>
+    <p:spTree>
+      <p:nvGrpSpPr>
+        <p:cNvPr id="1" name=""/>
+        <p:cNvGrpSpPr/>
+        <p:nvPr/>
+      </p:nvGrpSpPr>
+      <p:grpSpPr>
+        <a:xfrm>
+          <a:off x="0" y="0"/>
+          <a:ext cx="0" cy="0"/>
+          <a:chOff x="0" y="0"/>
+          <a:chExt cx="0" cy="0"/>
+        </a:xfrm>
+      </p:grpSpPr>
+      <p:sp>
+        <p:nvSpPr>
+          <p:cNvPr id="2" name="Title 1"/>
+          <p:cNvSpPr>
+            <a:spLocks noGrp="1"/>
+          </p:cNvSpPr>
+          <p:nvPr>
+            <p:ph type="title"/>
+          </p:nvPr>
+        </p:nvSpPr>
+        <p:spPr/>
+        <p:txBody>
+          <a:bodyPr/>
+          <a:lstStyle/>
+          <a:p>
+            <a:r>
+              <a:rPr lang="en-US"/>
+              <a:t>Starting the app</a:t>
+            </a:r>
+            <a:endParaRPr lang="en-US"/>
+          </a:p>
+        </p:txBody>
+      </p:sp>
+      <p:sp>
+        <p:nvSpPr>
+          <p:cNvPr id="3" name="Content Placeholder 2"/>
+          <p:cNvSpPr>
+            <a:spLocks noGrp="1"/>
+          </p:cNvSpPr>
+          <p:nvPr>
+            <p:ph idx="1"/>
+          </p:nvPr>
+        </p:nvSpPr>
+        <p:spPr/>
+        <p:txBody>
+          <a:bodyPr/>
+          <a:lstStyle/>
+          <a:p>
+            <a:pPr marL="0" indent="0">
+              <a:lnSpc>
+                <a:spcPct val="150000"/>
+              </a:lnSpc>
+              <a:buNone/>
+            </a:pPr>
+            <a:r>
+              <a:rPr lang="en-US" sz="2000"/>
+              <a:t>Get the source code: </a:t>
+            </a:r>
+            <a:r>
+              <a:rPr lang="en-US" sz="2000" u="sng">
+                <a:hlinkClick r:id="rId2"/>
+              </a:rPr>
+              <a:t>https://github.com/aludkiewicz/java_webapp_base</a:t>
+            </a:r>
+            <a:endParaRPr lang="en-US" sz="2000"/>
+          </a:p>
+          <a:p>
+            <a:pPr marL="0" indent="0">
+              <a:lnSpc>
+                <a:spcPct val="150000"/>
+              </a:lnSpc>
+              <a:buNone/>
+            </a:pPr>
+            <a:r>
+              <a:rPr lang="en-US" sz="2000"/>
+              <a:t>Start Eclipse. File </a:t>
+            </a:r>
+            <a:r>
+              <a:rPr lang="en-US" sz="2000">
+                <a:sym typeface="Wingdings"/>
+              </a:rPr>
+              <a:t></a:t>
+            </a:r>
+            <a:r>
+              <a:rPr lang="en-US" sz="2000"/>
+              <a:t> Import </a:t>
+            </a:r>
+            <a:r>
+              <a:rPr lang="en-US" sz="2000">
+                <a:sym typeface="Wingdings"/>
+              </a:rPr>
+              <a:t></a:t>
+            </a:r>
+            <a:r>
+              <a:rPr lang="en-US" sz="2000"/>
+              <a:t> Maven </a:t>
+            </a:r>
+            <a:r>
+              <a:rPr lang="en-US" sz="2000">
+                <a:sym typeface="Wingdings"/>
+              </a:rPr>
+              <a:t></a:t>
+            </a:r>
+            <a:r>
+              <a:rPr lang="en-US" sz="2000"/>
+              <a:t> Existing maven project </a:t>
+            </a:r>
+            <a:r>
+              <a:rPr lang="en-US" sz="2000">
+                <a:sym typeface="Wingdings"/>
+              </a:rPr>
+              <a:t></a:t>
+            </a:r>
+            <a:r>
+              <a:rPr lang="en-US" sz="2000"/>
+              <a:t> &lt;Source code path&gt;</a:t>
+            </a:r>
+          </a:p>
+          <a:p>
+            <a:pPr marL="0" indent="0">
+              <a:lnSpc>
+                <a:spcPct val="150000"/>
+              </a:lnSpc>
+              <a:buNone/>
+            </a:pPr>
+            <a:r>
+              <a:rPr lang="en-US" sz="2000"/>
+              <a:t>Download and install run-jetty-run in Eclipse: Help </a:t>
+            </a:r>
+            <a:r>
+              <a:rPr lang="en-US" sz="2000">
+                <a:sym typeface="Wingdings"/>
+              </a:rPr>
+              <a:t> Install new Software </a:t>
+            </a:r>
+            <a:r>
+              <a:rPr lang="en-US" sz="2000"/>
+              <a:t> </a:t>
+            </a:r>
+            <a:r>
+              <a:rPr lang="en-US" sz="2000" u="sng">
+                <a:hlinkClick r:id="rId3"/>
+              </a:rPr>
+              <a:t>http://run-jetty-run.googlecode.com/svn/trunk/updatesite/</a:t>
+            </a:r>
+            <a:endParaRPr lang="en-US" sz="2000"/>
+          </a:p>
+          <a:p>
+            <a:pPr marL="0" indent="0">
+              <a:lnSpc>
+                <a:spcPct val="150000"/>
+              </a:lnSpc>
+              <a:buNone/>
+            </a:pPr>
+            <a:r>
+              <a:rPr lang="en-US" sz="2000"/>
+              <a:t>Right-click project </a:t>
+            </a:r>
+            <a:r>
+              <a:rPr lang="en-US" sz="2000">
+                <a:sym typeface="Wingdings"/>
+              </a:rPr>
+              <a:t></a:t>
+            </a:r>
+            <a:r>
+              <a:rPr lang="en-US" sz="2000"/>
+              <a:t> Run as </a:t>
+            </a:r>
+            <a:r>
+              <a:rPr lang="en-US" sz="2000">
+                <a:sym typeface="Wingdings"/>
+              </a:rPr>
+              <a:t></a:t>
+            </a:r>
+            <a:r>
+              <a:rPr lang="en-US" sz="2000"/>
+              <a:t> Run Configuration </a:t>
+            </a:r>
+            <a:r>
+              <a:rPr lang="en-US" sz="2000">
+                <a:sym typeface="Wingdings"/>
+              </a:rPr>
+              <a:t></a:t>
+            </a:r>
+            <a:r>
+              <a:rPr lang="en-US" sz="2000"/>
+              <a:t> new Jetty run configuration </a:t>
+            </a:r>
+            <a:r>
+              <a:rPr lang="en-US" sz="2000">
+                <a:sym typeface="Wingdings"/>
+              </a:rPr>
+              <a:t> </a:t>
+            </a:r>
+            <a:r>
+              <a:rPr lang="en-US" sz="2000"/>
+              <a:t>Set Context to /</a:t>
+            </a:r>
+          </a:p>
+          <a:p>
+            <a:pPr marL="0" indent="0">
+              <a:lnSpc>
+                <a:spcPct val="150000"/>
+              </a:lnSpc>
+              <a:buNone/>
+            </a:pPr>
+            <a:r>
+              <a:rPr lang="en-US" sz="2000"/>
+              <a:t>Make sure the spring.xml has the correct user/pass for your MySQL! And that MySQL is running!</a:t>
+            </a:r>
+          </a:p>
+          <a:p>
+            <a:pPr marL="0" indent="0">
+              <a:lnSpc>
+                <a:spcPct val="150000"/>
+              </a:lnSpc>
+              <a:buNone/>
+            </a:pPr>
+            <a:r>
+              <a:rPr lang="en-US" sz="2000"/>
+              <a:t>Create empty database called hicollege</a:t>
+            </a:r>
+          </a:p>
+          <a:p>
+            <a:pPr marL="0" indent="0">
+              <a:lnSpc>
+                <a:spcPct val="150000"/>
+              </a:lnSpc>
+              <a:buNone/>
+            </a:pPr>
+            <a:r>
+              <a:rPr lang="en-US" sz="2000"/>
+              <a:t>Start app: Right-click project </a:t>
+            </a:r>
+            <a:r>
+              <a:rPr lang="en-US" sz="2000">
+                <a:sym typeface="Wingdings"/>
+              </a:rPr>
+              <a:t></a:t>
+            </a:r>
+            <a:r>
+              <a:rPr lang="en-US" sz="2000"/>
+              <a:t> Run as </a:t>
+            </a:r>
+            <a:r>
+              <a:rPr lang="en-US" sz="2000">
+                <a:sym typeface="Wingdings"/>
+              </a:rPr>
+              <a:t></a:t>
+            </a:r>
+            <a:r>
+              <a:rPr lang="en-US" sz="2000"/>
+              <a:t> Run jetty. App can reached at localhost:8080/ui/album</a:t>
+            </a:r>
+          </a:p>
+          <a:p>
+            <a:endParaRPr lang="en-US"/>
+          </a:p>
+        </p:txBody>
+      </p:sp>
+    </p:spTree>
+    <p:extLst>
+      <p:ext uri="{BB962C8B-B14F-4D97-AF65-F5344CB8AC3E}">
+        <p14:creationId xmlns:p14="http://schemas.microsoft.com/office/powerpoint/2010/main" val="1995103551"/>
+      </p:ext>
+    </p:extLst>
+  </p:cSld>
+  <p:clrMapOvr>
+    <a:masterClrMapping/>
+  </p:clrMapOvr>
+</p:sld>
+</file>
+
+<file path=ppt/slides/slide28.xml><?xml version="1.0" encoding="utf-8"?>
+<p:sld xmlns:a="http://schemas.openxmlformats.org/drawingml/2006/main" xmlns:r="http://schemas.openxmlformats.org/officeDocument/2006/relationships" xmlns:p="http://schemas.openxmlformats.org/presentationml/2006/main">
+  <p:cSld>
+    <p:spTree>
+      <p:nvGrpSpPr>
+        <p:cNvPr id="1" name=""/>
+        <p:cNvGrpSpPr/>
+        <p:nvPr/>
+      </p:nvGrpSpPr>
+      <p:grpSpPr>
+        <a:xfrm>
+          <a:off x="0" y="0"/>
+          <a:ext cx="0" cy="0"/>
+          <a:chOff x="0" y="0"/>
+          <a:chExt cx="0" cy="0"/>
+        </a:xfrm>
+      </p:grpSpPr>
+      <p:sp>
+        <p:nvSpPr>
+          <p:cNvPr id="4" name="Content Placeholder 3"/>
+          <p:cNvSpPr>
+            <a:spLocks noGrp="1"/>
+          </p:cNvSpPr>
+          <p:nvPr>
+            <p:ph sz="half" idx="1"/>
+          </p:nvPr>
+        </p:nvSpPr>
+        <p:spPr>
+          <a:xfrm>
+            <a:off x="838200" y="106878"/>
+            <a:ext cx="5181600" cy="6070085"/>
+          </a:xfrm>
+        </p:spPr>
+        <p:txBody>
+          <a:bodyPr>
+            <a:normAutofit/>
+          </a:bodyPr>
+          <a:lstStyle/>
+          <a:p>
+            <a:pPr marL="0" indent="0">
+              <a:lnSpc>
+                <a:spcPct val="150000"/>
+              </a:lnSpc>
+              <a:buNone/>
+            </a:pPr>
+            <a:r>
+              <a:rPr lang="en-US" sz="1400" b="1"/>
+              <a:t>Backend</a:t>
+            </a:r>
+          </a:p>
+          <a:p>
+            <a:pPr marL="0" indent="0">
+              <a:lnSpc>
+                <a:spcPct val="150000"/>
+              </a:lnSpc>
+              <a:buNone/>
+            </a:pPr>
+            <a:r>
+              <a:rPr lang="en-US" sz="1400"/>
+              <a:t>(Small) Create an API-call that changes a users email and/or age</a:t>
+            </a:r>
+          </a:p>
+          <a:p>
+            <a:pPr marL="0" indent="0">
+              <a:lnSpc>
+                <a:spcPct val="150000"/>
+              </a:lnSpc>
+              <a:buNone/>
+            </a:pPr>
+            <a:r>
+              <a:rPr lang="en-US" sz="1400"/>
+              <a:t>(Medium) Create an API-call that adds an existing album to a users collection of albums.</a:t>
+            </a:r>
+          </a:p>
+          <a:p>
+            <a:pPr marL="0" indent="0">
+              <a:lnSpc>
+                <a:spcPct val="150000"/>
+              </a:lnSpc>
+              <a:buNone/>
+            </a:pPr>
+            <a:r>
+              <a:rPr lang="en-US" sz="1400"/>
+              <a:t>(Small) Create an API-call to get all albums for a specific user</a:t>
+            </a:r>
+          </a:p>
+          <a:p>
+            <a:pPr marL="0" indent="0">
+              <a:lnSpc>
+                <a:spcPct val="150000"/>
+              </a:lnSpc>
+              <a:buNone/>
+            </a:pPr>
+            <a:r>
+              <a:rPr lang="en-US" sz="1400"/>
+              <a:t>(Small) Create an API-call to get all users that have a specific album</a:t>
+            </a:r>
+          </a:p>
+          <a:p>
+            <a:pPr marL="0" indent="0">
+              <a:lnSpc>
+                <a:spcPct val="150000"/>
+              </a:lnSpc>
+              <a:buNone/>
+            </a:pPr>
+            <a:r>
+              <a:rPr lang="en-US" sz="1400" b="1"/>
+              <a:t>Backend och frontend:</a:t>
+            </a:r>
+            <a:endParaRPr lang="en-US" sz="1400"/>
+          </a:p>
+          <a:p>
+            <a:pPr marL="0" indent="0">
+              <a:lnSpc>
+                <a:spcPct val="150000"/>
+              </a:lnSpc>
+              <a:buNone/>
+            </a:pPr>
+            <a:r>
+              <a:rPr lang="en-US" sz="1400"/>
+              <a:t>(Medium) Create a button that you can press to delete a user.</a:t>
+            </a:r>
+          </a:p>
+          <a:p>
+            <a:pPr marL="0" indent="0">
+              <a:lnSpc>
+                <a:spcPct val="150000"/>
+              </a:lnSpc>
+              <a:buNone/>
+            </a:pPr>
+            <a:r>
+              <a:rPr lang="en-US" sz="1400"/>
+              <a:t>(Medium) Create a button that you can press to delete an album.</a:t>
+            </a:r>
+          </a:p>
+          <a:p>
+            <a:pPr marL="0" indent="0">
+              <a:lnSpc>
+                <a:spcPct val="150000"/>
+              </a:lnSpc>
+              <a:buNone/>
+            </a:pPr>
+            <a:r>
+              <a:rPr lang="en-US" sz="1400"/>
+              <a:t>(Big) Instead of making state changes in void-methods in the Java-controllers, create a Status-object to return from them. Make the front-end read that response and display some type of “Update OK!” or “Error!” message depending on whether e.g. adding a user failed or not.</a:t>
+            </a:r>
+            <a:endParaRPr lang="en-US" sz="1600"/>
+          </a:p>
+          <a:p>
+            <a:pPr marL="0" indent="0">
+              <a:lnSpc>
+                <a:spcPct val="150000"/>
+              </a:lnSpc>
+              <a:buNone/>
+            </a:pPr>
+            <a:endParaRPr lang="en-US" sz="1600" b="1"/>
+          </a:p>
+        </p:txBody>
+      </p:sp>
+      <p:sp>
+        <p:nvSpPr>
+          <p:cNvPr id="5" name="Content Placeholder 4"/>
+          <p:cNvSpPr>
+            <a:spLocks noGrp="1"/>
+          </p:cNvSpPr>
+          <p:nvPr>
+            <p:ph sz="half" idx="2"/>
+          </p:nvPr>
+        </p:nvSpPr>
+        <p:spPr>
+          <a:xfrm>
+            <a:off x="6172200" y="106878"/>
+            <a:ext cx="5181600" cy="6604165"/>
+          </a:xfrm>
+        </p:spPr>
+        <p:txBody>
+          <a:bodyPr>
+            <a:noAutofit/>
+          </a:bodyPr>
+          <a:lstStyle/>
+          <a:p>
+            <a:pPr marL="0" indent="0">
+              <a:lnSpc>
+                <a:spcPct val="150000"/>
+              </a:lnSpc>
+              <a:buNone/>
+            </a:pPr>
+            <a:r>
+              <a:rPr lang="en-US" sz="1400" b="1"/>
+              <a:t>Frontend:</a:t>
+            </a:r>
+            <a:endParaRPr lang="en-US" sz="1400"/>
+          </a:p>
+          <a:p>
+            <a:pPr marL="0" indent="0">
+              <a:lnSpc>
+                <a:spcPct val="150000"/>
+              </a:lnSpc>
+              <a:buNone/>
+            </a:pPr>
+            <a:r>
+              <a:rPr lang="en-US" sz="1400"/>
+              <a:t>(Medium) Divide the angular controller into two separate controllers in different files: One for users, one for albums.</a:t>
+            </a:r>
+          </a:p>
+          <a:p>
+            <a:pPr marL="0" indent="0">
+              <a:lnSpc>
+                <a:spcPct val="150000"/>
+              </a:lnSpc>
+              <a:buNone/>
+            </a:pPr>
+            <a:r>
+              <a:rPr lang="en-US" sz="1400"/>
+              <a:t>(Medium) Angular services are a good way to share code between controllers. Create a service that takes a users list of albums and returns a comma-separated string of their titles.</a:t>
+            </a:r>
+            <a:endParaRPr lang="en-US" sz="1600"/>
+          </a:p>
+          <a:p>
+            <a:pPr marL="0" indent="0">
+              <a:lnSpc>
+                <a:spcPct val="150000"/>
+              </a:lnSpc>
+              <a:buNone/>
+            </a:pPr>
+            <a:r>
+              <a:rPr lang="en-US" sz="1400" b="1"/>
+              <a:t>General tips:</a:t>
+            </a:r>
+          </a:p>
+          <a:p>
+            <a:pPr marL="0" indent="0">
+              <a:lnSpc>
+                <a:spcPct val="150000"/>
+              </a:lnSpc>
+              <a:buNone/>
+            </a:pPr>
+            <a:r>
+              <a:rPr lang="en-US" sz="1400"/>
+              <a:t>You will not have time for all tasks! Choose whichever interest you the most and focus on those!</a:t>
+            </a:r>
+          </a:p>
+          <a:p>
+            <a:pPr marL="0" indent="0">
+              <a:lnSpc>
+                <a:spcPct val="150000"/>
+              </a:lnSpc>
+              <a:buNone/>
+            </a:pPr>
+            <a:r>
+              <a:rPr lang="en-US" sz="1400"/>
+              <a:t>When implementing new API-calls, discuss how you’d want the URLs to look. There are no right answers!</a:t>
+            </a:r>
+          </a:p>
+          <a:p>
+            <a:pPr marL="0" indent="0">
+              <a:lnSpc>
+                <a:spcPct val="150000"/>
+              </a:lnSpc>
+              <a:buNone/>
+            </a:pPr>
+            <a:r>
+              <a:rPr lang="en-US" sz="1400"/>
+              <a:t>Use Requestmethod.GET while developing to test API-calls directly in the browser</a:t>
+            </a:r>
+            <a:endParaRPr lang="en-US" sz="1400"/>
+          </a:p>
+          <a:p>
+            <a:pPr marL="0" indent="0">
+              <a:lnSpc>
+                <a:spcPct val="150000"/>
+              </a:lnSpc>
+              <a:buNone/>
+            </a:pPr>
+            <a:r>
+              <a:rPr lang="en-US" sz="1400"/>
+              <a:t>The Status-task is quite big, but has the advantage of touching all three parts: The Java-backend, Bootstrap and Angular</a:t>
+            </a:r>
+          </a:p>
+          <a:p>
+            <a:pPr marL="0" indent="0">
+              <a:lnSpc>
+                <a:spcPct val="150000"/>
+              </a:lnSpc>
+              <a:buNone/>
+            </a:pPr>
+            <a:r>
+              <a:rPr lang="en-US" sz="1400"/>
+              <a:t>Source code for full app: </a:t>
+            </a:r>
+            <a:r>
+              <a:rPr lang="en-US" sz="1400" u="sng"/>
+              <a:t>https://github.com/aludkiewicz/java_webapp</a:t>
+            </a:r>
+            <a:endParaRPr lang="en-US" sz="1400"/>
+          </a:p>
+        </p:txBody>
+      </p:sp>
+    </p:spTree>
+    <p:extLst>
+      <p:ext uri="{BB962C8B-B14F-4D97-AF65-F5344CB8AC3E}">
+        <p14:creationId xmlns:p14="http://schemas.microsoft.com/office/powerpoint/2010/main" val="1001846294"/>
+      </p:ext>
+    </p:extLst>
+  </p:cSld>
+  <p:clrMapOvr>
+    <a:masterClrMapping/>
+  </p:clrMapOvr>
+</p:sld>
+</file>
+
+<file path=ppt/slides/slide29.xml><?xml version="1.0" encoding="utf-8"?>
+<p:sld xmlns:a="http://schemas.openxmlformats.org/drawingml/2006/main" xmlns:r="http://schemas.openxmlformats.org/officeDocument/2006/relationships" xmlns:p="http://schemas.openxmlformats.org/presentationml/2006/main">
+  <p:cSld>
+    <p:spTree>
+      <p:nvGrpSpPr>
+        <p:cNvPr id="1" name=""/>
+        <p:cNvGrpSpPr/>
+        <p:nvPr/>
+      </p:nvGrpSpPr>
+      <p:grpSpPr>
+        <a:xfrm>
+          <a:off x="0" y="0"/>
+          <a:ext cx="0" cy="0"/>
+          <a:chOff x="0" y="0"/>
+          <a:chExt cx="0" cy="0"/>
+        </a:xfrm>
+      </p:grpSpPr>
+      <p:sp>
+        <p:nvSpPr>
+          <p:cNvPr id="2" name="Title 1"/>
+          <p:cNvSpPr>
+            <a:spLocks noGrp="1"/>
+          </p:cNvSpPr>
+          <p:nvPr>
+            <p:ph type="title"/>
+          </p:nvPr>
+        </p:nvSpPr>
+        <p:spPr/>
+        <p:txBody>
+          <a:bodyPr/>
+          <a:lstStyle/>
+          <a:p>
+            <a:r>
+              <a:rPr lang="en-US"/>
+              <a:t>HATEOAS</a:t>
+            </a:r>
+          </a:p>
+        </p:txBody>
+      </p:sp>
+      <p:sp>
+        <p:nvSpPr>
+          <p:cNvPr id="3" name="Content Placeholder 2"/>
+          <p:cNvSpPr>
+            <a:spLocks noGrp="1"/>
+          </p:cNvSpPr>
+          <p:nvPr>
+            <p:ph sz="half" idx="1"/>
+          </p:nvPr>
+        </p:nvSpPr>
+        <p:spPr>
+          <a:xfrm>
+            <a:off x="838200" y="1504256"/>
+            <a:ext cx="10515600" cy="5353743"/>
+          </a:xfrm>
+        </p:spPr>
+        <p:txBody>
+          <a:bodyPr>
+            <a:normAutofit/>
+          </a:bodyPr>
+          <a:lstStyle/>
+          <a:p>
+            <a:pPr marL="0" indent="0">
+              <a:lnSpc>
+                <a:spcPct val="150000"/>
+              </a:lnSpc>
+              <a:buNone/>
+            </a:pPr>
+            <a:r>
+              <a:rPr lang="en-US" sz="2000"/>
+              <a:t>HATEOAS (Hypermedia as the Engine of Application State) is a constraint on REST</a:t>
+            </a:r>
+          </a:p>
+          <a:p>
+            <a:pPr marL="0" indent="0">
+              <a:lnSpc>
+                <a:spcPct val="150000"/>
+              </a:lnSpc>
+              <a:buNone/>
+            </a:pPr>
+            <a:r>
+              <a:rPr lang="en-US" sz="2000"/>
+              <a:t>A HATEOAS site dynamically provides information on how to navigate its’ REST-interfaces</a:t>
+            </a:r>
+          </a:p>
+          <a:p>
+            <a:pPr marL="0" indent="0">
+              <a:lnSpc>
+                <a:spcPct val="150000"/>
+              </a:lnSpc>
+              <a:buNone/>
+            </a:pPr>
+            <a:endParaRPr lang="en-US" sz="2000"/>
+          </a:p>
+          <a:p>
+            <a:pPr marL="0" indent="0">
+              <a:lnSpc>
+                <a:spcPct val="150000"/>
+              </a:lnSpc>
+              <a:buNone/>
+            </a:pPr>
+            <a:endParaRPr lang="en-US" sz="2000"/>
+          </a:p>
+          <a:p>
+            <a:pPr marL="0" indent="0">
+              <a:lnSpc>
+                <a:spcPct val="150000"/>
+              </a:lnSpc>
+              <a:buNone/>
+            </a:pPr>
+            <a:endParaRPr lang="en-US" sz="2000"/>
+          </a:p>
+          <a:p>
+            <a:pPr marL="0" indent="0">
+              <a:lnSpc>
+                <a:spcPct val="150000"/>
+              </a:lnSpc>
+              <a:buNone/>
+            </a:pPr>
+            <a:endParaRPr lang="en-US" sz="2000"/>
+          </a:p>
+          <a:p>
+            <a:pPr marL="0" indent="0">
+              <a:lnSpc>
+                <a:spcPct val="150000"/>
+              </a:lnSpc>
+              <a:buNone/>
+            </a:pPr>
+            <a:endParaRPr lang="en-US" sz="100"/>
+          </a:p>
+        </p:txBody>
+      </p:sp>
+    </p:spTree>
+    <p:extLst>
+      <p:ext uri="{BB962C8B-B14F-4D97-AF65-F5344CB8AC3E}">
+        <p14:creationId xmlns:p14="http://schemas.microsoft.com/office/powerpoint/2010/main" val="2078965306"/>
       </p:ext>
     </p:extLst>
   </p:cSld>
@@ -6462,6 +7623,638 @@
     <p:extLst>
       <p:ext uri="{BB962C8B-B14F-4D97-AF65-F5344CB8AC3E}">
         <p14:creationId xmlns:p14="http://schemas.microsoft.com/office/powerpoint/2010/main" val="1403040190"/>
+      </p:ext>
+    </p:extLst>
+  </p:cSld>
+  <p:clrMapOvr>
+    <a:masterClrMapping/>
+  </p:clrMapOvr>
+</p:sld>
+</file>
+
+<file path=ppt/slides/slide30.xml><?xml version="1.0" encoding="utf-8"?>
+<p:sld xmlns:a="http://schemas.openxmlformats.org/drawingml/2006/main" xmlns:r="http://schemas.openxmlformats.org/officeDocument/2006/relationships" xmlns:p="http://schemas.openxmlformats.org/presentationml/2006/main">
+  <p:cSld>
+    <p:spTree>
+      <p:nvGrpSpPr>
+        <p:cNvPr id="1" name=""/>
+        <p:cNvGrpSpPr/>
+        <p:nvPr/>
+      </p:nvGrpSpPr>
+      <p:grpSpPr>
+        <a:xfrm>
+          <a:off x="0" y="0"/>
+          <a:ext cx="0" cy="0"/>
+          <a:chOff x="0" y="0"/>
+          <a:chExt cx="0" cy="0"/>
+        </a:xfrm>
+      </p:grpSpPr>
+      <p:sp>
+        <p:nvSpPr>
+          <p:cNvPr id="2" name="Title 1"/>
+          <p:cNvSpPr>
+            <a:spLocks noGrp="1"/>
+          </p:cNvSpPr>
+          <p:nvPr>
+            <p:ph type="title"/>
+          </p:nvPr>
+        </p:nvSpPr>
+        <p:spPr/>
+        <p:txBody>
+          <a:bodyPr/>
+          <a:lstStyle/>
+          <a:p>
+            <a:r>
+              <a:rPr lang="en-US"/>
+              <a:t>HATEOAS</a:t>
+            </a:r>
+          </a:p>
+        </p:txBody>
+      </p:sp>
+      <p:sp>
+        <p:nvSpPr>
+          <p:cNvPr id="3" name="Content Placeholder 2"/>
+          <p:cNvSpPr>
+            <a:spLocks noGrp="1"/>
+          </p:cNvSpPr>
+          <p:nvPr>
+            <p:ph sz="half" idx="1"/>
+          </p:nvPr>
+        </p:nvSpPr>
+        <p:spPr>
+          <a:xfrm>
+            <a:off x="838200" y="1504256"/>
+            <a:ext cx="10515600" cy="5353743"/>
+          </a:xfrm>
+        </p:spPr>
+        <p:txBody>
+          <a:bodyPr>
+            <a:normAutofit/>
+          </a:bodyPr>
+          <a:lstStyle/>
+          <a:p>
+            <a:pPr marL="0" indent="0">
+              <a:lnSpc>
+                <a:spcPct val="150000"/>
+              </a:lnSpc>
+              <a:buNone/>
+            </a:pPr>
+            <a:r>
+              <a:rPr lang="en-US" sz="2000"/>
+              <a:t>HATEOAS (Hypermedia as the Engine of Application State) is a constraint on REST</a:t>
+            </a:r>
+          </a:p>
+          <a:p>
+            <a:pPr marL="0" indent="0">
+              <a:lnSpc>
+                <a:spcPct val="150000"/>
+              </a:lnSpc>
+              <a:buNone/>
+            </a:pPr>
+            <a:r>
+              <a:rPr lang="en-US" sz="2000"/>
+              <a:t>A HATEOAS site dynamically provides information on how to navigate its’ REST-interfaces</a:t>
+            </a:r>
+          </a:p>
+          <a:p>
+            <a:pPr marL="0" indent="0">
+              <a:lnSpc>
+                <a:spcPct val="150000"/>
+              </a:lnSpc>
+              <a:buNone/>
+            </a:pPr>
+            <a:endParaRPr lang="en-US" sz="2000"/>
+          </a:p>
+          <a:p>
+            <a:pPr marL="0" indent="0">
+              <a:lnSpc>
+                <a:spcPct val="150000"/>
+              </a:lnSpc>
+              <a:buNone/>
+            </a:pPr>
+            <a:endParaRPr lang="en-US" sz="2000"/>
+          </a:p>
+          <a:p>
+            <a:pPr marL="0" indent="0">
+              <a:lnSpc>
+                <a:spcPct val="150000"/>
+              </a:lnSpc>
+              <a:buNone/>
+            </a:pPr>
+            <a:endParaRPr lang="en-US" sz="2000"/>
+          </a:p>
+          <a:p>
+            <a:pPr marL="0" indent="0">
+              <a:lnSpc>
+                <a:spcPct val="150000"/>
+              </a:lnSpc>
+              <a:buNone/>
+            </a:pPr>
+            <a:endParaRPr lang="en-US" sz="2000"/>
+          </a:p>
+          <a:p>
+            <a:pPr marL="0" indent="0">
+              <a:lnSpc>
+                <a:spcPct val="150000"/>
+              </a:lnSpc>
+              <a:buNone/>
+            </a:pPr>
+            <a:endParaRPr lang="en-US" sz="100"/>
+          </a:p>
+          <a:p>
+            <a:pPr marL="0" indent="0">
+              <a:lnSpc>
+                <a:spcPct val="150000"/>
+              </a:lnSpc>
+              <a:buNone/>
+            </a:pPr>
+            <a:r>
+              <a:rPr lang="en-US" sz="2000"/>
+              <a:t>The response contains follow-up links. Which links are included may vary, depending on the state of the resource. </a:t>
+            </a:r>
+          </a:p>
+          <a:p>
+            <a:pPr marL="0" indent="0">
+              <a:lnSpc>
+                <a:spcPct val="150000"/>
+              </a:lnSpc>
+              <a:buNone/>
+            </a:pPr>
+            <a:r>
+              <a:rPr lang="en-US" sz="2000"/>
+              <a:t>E.g. if an account is overdrawn, maybe the only possible action is to deposit money into it.</a:t>
+            </a:r>
+          </a:p>
+        </p:txBody>
+      </p:sp>
+      <p:sp>
+        <p:nvSpPr>
+          <p:cNvPr id="5" name="TextBox 4"/>
+          <p:cNvSpPr txBox="1"/>
+          <p:nvPr/>
+        </p:nvSpPr>
+        <p:spPr>
+          <a:xfrm>
+            <a:off x="1318161" y="2696806"/>
+            <a:ext cx="4465122" cy="1169551"/>
+          </a:xfrm>
+          <a:prstGeom prst="rect">
+            <a:avLst/>
+          </a:prstGeom>
+          <a:noFill/>
+        </p:spPr>
+        <p:txBody>
+          <a:bodyPr wrap="square" rtlCol="0">
+            <a:spAutoFit/>
+          </a:bodyPr>
+          <a:lstStyle/>
+          <a:p>
+            <a:r>
+              <a:rPr lang="en-US" sz="1400"/>
+              <a:t>Normal REST response:</a:t>
+            </a:r>
+          </a:p>
+          <a:p>
+            <a:r>
+              <a:rPr lang="en-US" sz="1400"/>
+              <a:t>{</a:t>
+            </a:r>
+          </a:p>
+          <a:p>
+            <a:r>
+              <a:rPr lang="en-US" sz="1400"/>
+              <a:t>“name”: “Alex”,</a:t>
+            </a:r>
+          </a:p>
+          <a:p>
+            <a:r>
+              <a:rPr lang="en-US" sz="1400"/>
+              <a:t>“account_no”: 12345</a:t>
+            </a:r>
+          </a:p>
+          <a:p>
+            <a:r>
+              <a:rPr lang="en-US" sz="1400"/>
+              <a:t>}</a:t>
+            </a:r>
+            <a:endParaRPr lang="fr-FR" sz="1400"/>
+          </a:p>
+        </p:txBody>
+      </p:sp>
+      <p:sp>
+        <p:nvSpPr>
+          <p:cNvPr id="6" name="TextBox 5"/>
+          <p:cNvSpPr txBox="1"/>
+          <p:nvPr/>
+        </p:nvSpPr>
+        <p:spPr>
+          <a:xfrm>
+            <a:off x="4904509" y="2696806"/>
+            <a:ext cx="6650182" cy="2462213"/>
+          </a:xfrm>
+          <a:prstGeom prst="rect">
+            <a:avLst/>
+          </a:prstGeom>
+          <a:noFill/>
+        </p:spPr>
+        <p:txBody>
+          <a:bodyPr wrap="square" rtlCol="0">
+            <a:spAutoFit/>
+          </a:bodyPr>
+          <a:lstStyle/>
+          <a:p>
+            <a:r>
+              <a:rPr lang="en-US" sz="1400"/>
+              <a:t>HATEOAS type-response:</a:t>
+            </a:r>
+          </a:p>
+          <a:p>
+            <a:r>
+              <a:rPr lang="en-US" sz="1400"/>
+              <a:t>{“content”: [ {</a:t>
+            </a:r>
+          </a:p>
+          <a:p>
+            <a:r>
+              <a:rPr lang="en-US" sz="1400"/>
+              <a:t>    “name”: “Alex”, </a:t>
+            </a:r>
+          </a:p>
+          <a:p>
+            <a:r>
+              <a:rPr lang="en-US" sz="1400"/>
+              <a:t>        "links": [ {</a:t>
+            </a:r>
+          </a:p>
+          <a:p>
+            <a:r>
+              <a:rPr lang="en-US" sz="1400"/>
+              <a:t>              "rel": "self",</a:t>
+            </a:r>
+          </a:p>
+          <a:p>
+            <a:r>
+              <a:rPr lang="en-US" sz="1400"/>
+              <a:t>              "href”:"http://foo.bar/customer/1"} ]},</a:t>
+            </a:r>
+          </a:p>
+          <a:p>
+            <a:r>
+              <a:rPr lang="en-US" sz="1400"/>
+              <a:t>    {</a:t>
+            </a:r>
+          </a:p>
+          <a:p>
+            <a:r>
+              <a:rPr lang="en-US" sz="1400"/>
+              <a:t>     “account_no”: 12345,</a:t>
+            </a:r>
+          </a:p>
+          <a:p>
+            <a:r>
+              <a:rPr lang="en-US" sz="1400"/>
+              <a:t>         "links": [ {</a:t>
+            </a:r>
+          </a:p>
+          <a:p>
+            <a:r>
+              <a:rPr lang="en-US" sz="1400"/>
+              <a:t>              "rel": ”deposit",</a:t>
+            </a:r>
+          </a:p>
+          <a:p>
+            <a:r>
+              <a:rPr lang="en-US" sz="1400"/>
+              <a:t>              "href”:"http://foo.bar/account/deposit/12345"}</a:t>
+            </a:r>
+            <a:r>
+              <a:rPr lang="en-US" sz="1400"/>
+              <a:t> }]}</a:t>
+            </a:r>
+            <a:endParaRPr lang="fr-FR" sz="1400"/>
+          </a:p>
+        </p:txBody>
+      </p:sp>
+    </p:spTree>
+    <p:extLst>
+      <p:ext uri="{BB962C8B-B14F-4D97-AF65-F5344CB8AC3E}">
+        <p14:creationId xmlns:p14="http://schemas.microsoft.com/office/powerpoint/2010/main" val="240394688"/>
+      </p:ext>
+    </p:extLst>
+  </p:cSld>
+  <p:clrMapOvr>
+    <a:masterClrMapping/>
+  </p:clrMapOvr>
+</p:sld>
+</file>
+
+<file path=ppt/slides/slide31.xml><?xml version="1.0" encoding="utf-8"?>
+<p:sld xmlns:a="http://schemas.openxmlformats.org/drawingml/2006/main" xmlns:r="http://schemas.openxmlformats.org/officeDocument/2006/relationships" xmlns:p="http://schemas.openxmlformats.org/presentationml/2006/main">
+  <p:cSld>
+    <p:spTree>
+      <p:nvGrpSpPr>
+        <p:cNvPr id="1" name=""/>
+        <p:cNvGrpSpPr/>
+        <p:nvPr/>
+      </p:nvGrpSpPr>
+      <p:grpSpPr>
+        <a:xfrm>
+          <a:off x="0" y="0"/>
+          <a:ext cx="0" cy="0"/>
+          <a:chOff x="0" y="0"/>
+          <a:chExt cx="0" cy="0"/>
+        </a:xfrm>
+      </p:grpSpPr>
+      <p:sp>
+        <p:nvSpPr>
+          <p:cNvPr id="2" name="Title 1"/>
+          <p:cNvSpPr>
+            <a:spLocks noGrp="1"/>
+          </p:cNvSpPr>
+          <p:nvPr>
+            <p:ph type="title"/>
+          </p:nvPr>
+        </p:nvSpPr>
+        <p:spPr/>
+        <p:txBody>
+          <a:bodyPr/>
+          <a:lstStyle/>
+          <a:p>
+            <a:r>
+              <a:rPr lang="en-US"/>
+              <a:t>HATEOAS</a:t>
+            </a:r>
+          </a:p>
+        </p:txBody>
+      </p:sp>
+      <p:sp>
+        <p:nvSpPr>
+          <p:cNvPr id="3" name="Content Placeholder 2"/>
+          <p:cNvSpPr>
+            <a:spLocks noGrp="1"/>
+          </p:cNvSpPr>
+          <p:nvPr>
+            <p:ph sz="half" idx="1"/>
+          </p:nvPr>
+        </p:nvSpPr>
+        <p:spPr>
+          <a:xfrm>
+            <a:off x="838200" y="1504256"/>
+            <a:ext cx="10515600" cy="5353743"/>
+          </a:xfrm>
+        </p:spPr>
+        <p:txBody>
+          <a:bodyPr>
+            <a:normAutofit/>
+          </a:bodyPr>
+          <a:lstStyle/>
+          <a:p>
+            <a:pPr marL="0" indent="0">
+              <a:lnSpc>
+                <a:spcPct val="150000"/>
+              </a:lnSpc>
+              <a:buNone/>
+            </a:pPr>
+            <a:r>
+              <a:rPr lang="en-US" sz="2000"/>
+              <a:t>HATEOAS (Hypermedia as the Engine of Application State) is a constraint on REST</a:t>
+            </a:r>
+          </a:p>
+          <a:p>
+            <a:pPr marL="0" indent="0">
+              <a:lnSpc>
+                <a:spcPct val="150000"/>
+              </a:lnSpc>
+              <a:buNone/>
+            </a:pPr>
+            <a:r>
+              <a:rPr lang="en-US" sz="2000"/>
+              <a:t>A HATEOAS site dynamically provides information on how to navigate its’ REST-interfaces</a:t>
+            </a:r>
+          </a:p>
+          <a:p>
+            <a:pPr marL="0" indent="0">
+              <a:lnSpc>
+                <a:spcPct val="150000"/>
+              </a:lnSpc>
+              <a:buNone/>
+            </a:pPr>
+            <a:endParaRPr lang="en-US" sz="2000"/>
+          </a:p>
+          <a:p>
+            <a:pPr marL="0" indent="0">
+              <a:lnSpc>
+                <a:spcPct val="150000"/>
+              </a:lnSpc>
+              <a:buNone/>
+            </a:pPr>
+            <a:endParaRPr lang="en-US" sz="2000"/>
+          </a:p>
+          <a:p>
+            <a:pPr marL="0" indent="0">
+              <a:lnSpc>
+                <a:spcPct val="150000"/>
+              </a:lnSpc>
+              <a:buNone/>
+            </a:pPr>
+            <a:endParaRPr lang="en-US" sz="2000"/>
+          </a:p>
+          <a:p>
+            <a:pPr marL="0" indent="0">
+              <a:lnSpc>
+                <a:spcPct val="150000"/>
+              </a:lnSpc>
+              <a:buNone/>
+            </a:pPr>
+            <a:endParaRPr lang="en-US" sz="2000"/>
+          </a:p>
+          <a:p>
+            <a:pPr marL="0" indent="0">
+              <a:lnSpc>
+                <a:spcPct val="150000"/>
+              </a:lnSpc>
+              <a:buNone/>
+            </a:pPr>
+            <a:endParaRPr lang="en-US" sz="100"/>
+          </a:p>
+          <a:p>
+            <a:pPr marL="0" indent="0">
+              <a:lnSpc>
+                <a:spcPct val="150000"/>
+              </a:lnSpc>
+              <a:buNone/>
+            </a:pPr>
+            <a:r>
+              <a:rPr lang="en-US" sz="2000"/>
+              <a:t>The response contains follow-up links. Which links are included may vary, depending on the state of the resource. </a:t>
+            </a:r>
+          </a:p>
+          <a:p>
+            <a:pPr marL="0" indent="0">
+              <a:lnSpc>
+                <a:spcPct val="150000"/>
+              </a:lnSpc>
+              <a:buNone/>
+            </a:pPr>
+            <a:r>
+              <a:rPr lang="en-US" sz="2000"/>
+              <a:t>E.g. if an account is overdrawn, maybe the only possible action is to deposit money into it.</a:t>
+            </a:r>
+          </a:p>
+        </p:txBody>
+      </p:sp>
+      <p:sp>
+        <p:nvSpPr>
+          <p:cNvPr id="5" name="TextBox 4"/>
+          <p:cNvSpPr txBox="1"/>
+          <p:nvPr/>
+        </p:nvSpPr>
+        <p:spPr>
+          <a:xfrm>
+            <a:off x="1318161" y="2696806"/>
+            <a:ext cx="4465122" cy="1169551"/>
+          </a:xfrm>
+          <a:prstGeom prst="rect">
+            <a:avLst/>
+          </a:prstGeom>
+          <a:noFill/>
+        </p:spPr>
+        <p:txBody>
+          <a:bodyPr wrap="square" rtlCol="0">
+            <a:spAutoFit/>
+          </a:bodyPr>
+          <a:lstStyle/>
+          <a:p>
+            <a:r>
+              <a:rPr lang="en-US" sz="1400"/>
+              <a:t>Normal REST response:</a:t>
+            </a:r>
+          </a:p>
+          <a:p>
+            <a:r>
+              <a:rPr lang="en-US" sz="1400"/>
+              <a:t>{</a:t>
+            </a:r>
+          </a:p>
+          <a:p>
+            <a:r>
+              <a:rPr lang="en-US" sz="1400"/>
+              <a:t>“name”: “Alex”,</a:t>
+            </a:r>
+          </a:p>
+          <a:p>
+            <a:r>
+              <a:rPr lang="en-US" sz="1400"/>
+              <a:t>“account_no”: 12345</a:t>
+            </a:r>
+          </a:p>
+          <a:p>
+            <a:r>
+              <a:rPr lang="en-US" sz="1400"/>
+              <a:t>}</a:t>
+            </a:r>
+            <a:endParaRPr lang="fr-FR" sz="1400"/>
+          </a:p>
+        </p:txBody>
+      </p:sp>
+      <p:sp>
+        <p:nvSpPr>
+          <p:cNvPr id="6" name="TextBox 5"/>
+          <p:cNvSpPr txBox="1"/>
+          <p:nvPr/>
+        </p:nvSpPr>
+        <p:spPr>
+          <a:xfrm>
+            <a:off x="4904509" y="2696806"/>
+            <a:ext cx="6650182" cy="2462213"/>
+          </a:xfrm>
+          <a:prstGeom prst="rect">
+            <a:avLst/>
+          </a:prstGeom>
+          <a:noFill/>
+        </p:spPr>
+        <p:txBody>
+          <a:bodyPr wrap="square" rtlCol="0">
+            <a:spAutoFit/>
+          </a:bodyPr>
+          <a:lstStyle/>
+          <a:p>
+            <a:r>
+              <a:rPr lang="en-US" sz="1400"/>
+              <a:t>HATEOAS type-response:</a:t>
+            </a:r>
+          </a:p>
+          <a:p>
+            <a:r>
+              <a:rPr lang="en-US" sz="1400"/>
+              <a:t>{“content”: [ {</a:t>
+            </a:r>
+          </a:p>
+          <a:p>
+            <a:r>
+              <a:rPr lang="en-US" sz="1400"/>
+              <a:t>    “name”: “Alex”, </a:t>
+            </a:r>
+          </a:p>
+          <a:p>
+            <a:r>
+              <a:rPr lang="en-US" sz="1400"/>
+              <a:t>        "links": [ {</a:t>
+            </a:r>
+          </a:p>
+          <a:p>
+            <a:r>
+              <a:rPr lang="en-US" sz="1400"/>
+              <a:t>              "rel": "self",</a:t>
+            </a:r>
+          </a:p>
+          <a:p>
+            <a:r>
+              <a:rPr lang="en-US" sz="1400"/>
+              <a:t>              "href”:"http://foo.bar/customer/1"} ]},</a:t>
+            </a:r>
+          </a:p>
+          <a:p>
+            <a:r>
+              <a:rPr lang="en-US" sz="1400"/>
+              <a:t>    {</a:t>
+            </a:r>
+          </a:p>
+          <a:p>
+            <a:r>
+              <a:rPr lang="en-US" sz="1400"/>
+              <a:t>     “account_no”: 12345,</a:t>
+            </a:r>
+          </a:p>
+          <a:p>
+            <a:r>
+              <a:rPr lang="en-US" sz="1400"/>
+              <a:t>         "links": [ {</a:t>
+            </a:r>
+          </a:p>
+          <a:p>
+            <a:r>
+              <a:rPr lang="en-US" sz="1400"/>
+              <a:t>              "rel": ”deposit",</a:t>
+            </a:r>
+          </a:p>
+          <a:p>
+            <a:r>
+              <a:rPr lang="en-US" sz="1400"/>
+              <a:t>              "href”:"http://foo.bar/account/deposit/12345"}</a:t>
+            </a:r>
+            <a:r>
+              <a:rPr lang="en-US" sz="1400"/>
+              <a:t> }]}</a:t>
+            </a:r>
+            <a:endParaRPr lang="fr-FR" sz="1400"/>
+          </a:p>
+        </p:txBody>
+      </p:sp>
+    </p:spTree>
+    <p:extLst>
+      <p:ext uri="{BB962C8B-B14F-4D97-AF65-F5344CB8AC3E}">
+        <p14:creationId xmlns:p14="http://schemas.microsoft.com/office/powerpoint/2010/main" val="1161545017"/>
       </p:ext>
     </p:extLst>
   </p:cSld>
@@ -6831,7 +8624,6 @@
               <a:rPr lang="en-US"/>
               <a:t>AngularJS</a:t>
             </a:r>
-            <a:endParaRPr lang="en-US"/>
           </a:p>
         </p:txBody>
       </p:sp>
@@ -6947,7 +8739,6 @@
               <a:rPr lang="en-US"/>
               <a:t>AngularJS</a:t>
             </a:r>
-            <a:endParaRPr lang="en-US"/>
           </a:p>
         </p:txBody>
       </p:sp>
@@ -7143,7 +8934,6 @@
               <a:rPr lang="en-US"/>
               <a:t>Spring web</a:t>
             </a:r>
-            <a:endParaRPr lang="en-US"/>
           </a:p>
         </p:txBody>
       </p:sp>
@@ -7267,7 +9057,6 @@
               <a:rPr lang="en-US"/>
               <a:t>Spring web</a:t>
             </a:r>
-            <a:endParaRPr lang="en-US"/>
           </a:p>
         </p:txBody>
       </p:sp>
@@ -7674,4 +9463,265 @@
     </a:ext>
   </a:extLst>
 </a:theme>
+</file>
+
+<file path=ppt/theme/theme2.xml><?xml version="1.0" encoding="utf-8"?>
+<a:theme xmlns:a="http://schemas.openxmlformats.org/drawingml/2006/main" name="Office Theme">
+  <a:themeElements>
+    <a:clrScheme name="Office">
+      <a:dk1>
+        <a:sysClr val="windowText" lastClr="000000"/>
+      </a:dk1>
+      <a:lt1>
+        <a:sysClr val="window" lastClr="FFFFFF"/>
+      </a:lt1>
+      <a:dk2>
+        <a:srgbClr val="44546A"/>
+      </a:dk2>
+      <a:lt2>
+        <a:srgbClr val="E7E6E6"/>
+      </a:lt2>
+      <a:accent1>
+        <a:srgbClr val="5B9BD5"/>
+      </a:accent1>
+      <a:accent2>
+        <a:srgbClr val="ED7D31"/>
+      </a:accent2>
+      <a:accent3>
+        <a:srgbClr val="A5A5A5"/>
+      </a:accent3>
+      <a:accent4>
+        <a:srgbClr val="FFC000"/>
+      </a:accent4>
+      <a:accent5>
+        <a:srgbClr val="4472C4"/>
+      </a:accent5>
+      <a:accent6>
+        <a:srgbClr val="70AD47"/>
+      </a:accent6>
+      <a:hlink>
+        <a:srgbClr val="0563C1"/>
+      </a:hlink>
+      <a:folHlink>
+        <a:srgbClr val="954F72"/>
+      </a:folHlink>
+    </a:clrScheme>
+    <a:fontScheme name="Office">
+      <a:majorFont>
+        <a:latin typeface="Calibri Light" panose="020F0302020204030204"/>
+        <a:ea typeface=""/>
+        <a:cs typeface=""/>
+        <a:font script="Jpan" typeface="ＭＳ Ｐゴシック"/>
+        <a:font script="Hang" typeface="맑은 고딕"/>
+        <a:font script="Hans" typeface="宋体"/>
+        <a:font script="Hant" typeface="新細明體"/>
+        <a:font script="Arab" typeface="Times New Roman"/>
+        <a:font script="Hebr" typeface="Times New Roman"/>
+        <a:font script="Thai" typeface="Angsana New"/>
+        <a:font script="Ethi" typeface="Nyala"/>
+        <a:font script="Beng" typeface="Vrinda"/>
+        <a:font script="Gujr" typeface="Shruti"/>
+        <a:font script="Khmr" typeface="MoolBoran"/>
+        <a:font script="Knda" typeface="Tunga"/>
+        <a:font script="Guru" typeface="Raavi"/>
+        <a:font script="Cans" typeface="Euphemia"/>
+        <a:font script="Cher" typeface="Plantagenet Cherokee"/>
+        <a:font script="Yiii" typeface="Microsoft Yi Baiti"/>
+        <a:font script="Tibt" typeface="Microsoft Himalaya"/>
+        <a:font script="Thaa" typeface="MV Boli"/>
+        <a:font script="Deva" typeface="Mangal"/>
+        <a:font script="Telu" typeface="Gautami"/>
+        <a:font script="Taml" typeface="Latha"/>
+        <a:font script="Syrc" typeface="Estrangelo Edessa"/>
+        <a:font script="Orya" typeface="Kalinga"/>
+        <a:font script="Mlym" typeface="Kartika"/>
+        <a:font script="Laoo" typeface="DokChampa"/>
+        <a:font script="Sinh" typeface="Iskoola Pota"/>
+        <a:font script="Mong" typeface="Mongolian Baiti"/>
+        <a:font script="Viet" typeface="Times New Roman"/>
+        <a:font script="Uigh" typeface="Microsoft Uighur"/>
+        <a:font script="Geor" typeface="Sylfaen"/>
+      </a:majorFont>
+      <a:minorFont>
+        <a:latin typeface="Calibri" panose="020F0502020204030204"/>
+        <a:ea typeface=""/>
+        <a:cs typeface=""/>
+        <a:font script="Jpan" typeface="ＭＳ Ｐゴシック"/>
+        <a:font script="Hang" typeface="맑은 고딕"/>
+        <a:font script="Hans" typeface="宋体"/>
+        <a:font script="Hant" typeface="新細明體"/>
+        <a:font script="Arab" typeface="Arial"/>
+        <a:font script="Hebr" typeface="Arial"/>
+        <a:font script="Thai" typeface="Cordia New"/>
+        <a:font script="Ethi" typeface="Nyala"/>
+        <a:font script="Beng" typeface="Vrinda"/>
+        <a:font script="Gujr" typeface="Shruti"/>
+        <a:font script="Khmr" typeface="DaunPenh"/>
+        <a:font script="Knda" typeface="Tunga"/>
+        <a:font script="Guru" typeface="Raavi"/>
+        <a:font script="Cans" typeface="Euphemia"/>
+        <a:font script="Cher" typeface="Plantagenet Cherokee"/>
+        <a:font script="Yiii" typeface="Microsoft Yi Baiti"/>
+        <a:font script="Tibt" typeface="Microsoft Himalaya"/>
+        <a:font script="Thaa" typeface="MV Boli"/>
+        <a:font script="Deva" typeface="Mangal"/>
+        <a:font script="Telu" typeface="Gautami"/>
+        <a:font script="Taml" typeface="Latha"/>
+        <a:font script="Syrc" typeface="Estrangelo Edessa"/>
+        <a:font script="Orya" typeface="Kalinga"/>
+        <a:font script="Mlym" typeface="Kartika"/>
+        <a:font script="Laoo" typeface="DokChampa"/>
+        <a:font script="Sinh" typeface="Iskoola Pota"/>
+        <a:font script="Mong" typeface="Mongolian Baiti"/>
+        <a:font script="Viet" typeface="Arial"/>
+        <a:font script="Uigh" typeface="Microsoft Uighur"/>
+        <a:font script="Geor" typeface="Sylfaen"/>
+      </a:minorFont>
+    </a:fontScheme>
+    <a:fmtScheme name="Office">
+      <a:fillStyleLst>
+        <a:solidFill>
+          <a:schemeClr val="phClr"/>
+        </a:solidFill>
+        <a:gradFill rotWithShape="1">
+          <a:gsLst>
+            <a:gs pos="0">
+              <a:schemeClr val="phClr">
+                <a:lumMod val="110000"/>
+                <a:satMod val="105000"/>
+                <a:tint val="67000"/>
+              </a:schemeClr>
+            </a:gs>
+            <a:gs pos="50000">
+              <a:schemeClr val="phClr">
+                <a:lumMod val="105000"/>
+                <a:satMod val="103000"/>
+                <a:tint val="73000"/>
+              </a:schemeClr>
+            </a:gs>
+            <a:gs pos="100000">
+              <a:schemeClr val="phClr">
+                <a:lumMod val="105000"/>
+                <a:satMod val="109000"/>
+                <a:tint val="81000"/>
+              </a:schemeClr>
+            </a:gs>
+          </a:gsLst>
+          <a:lin ang="5400000" scaled="0"/>
+        </a:gradFill>
+        <a:gradFill rotWithShape="1">
+          <a:gsLst>
+            <a:gs pos="0">
+              <a:schemeClr val="phClr">
+                <a:satMod val="103000"/>
+                <a:lumMod val="102000"/>
+                <a:tint val="94000"/>
+              </a:schemeClr>
+            </a:gs>
+            <a:gs pos="50000">
+              <a:schemeClr val="phClr">
+                <a:satMod val="110000"/>
+                <a:lumMod val="100000"/>
+                <a:shade val="100000"/>
+              </a:schemeClr>
+            </a:gs>
+            <a:gs pos="100000">
+              <a:schemeClr val="phClr">
+                <a:lumMod val="99000"/>
+                <a:satMod val="120000"/>
+                <a:shade val="78000"/>
+              </a:schemeClr>
+            </a:gs>
+          </a:gsLst>
+          <a:lin ang="5400000" scaled="0"/>
+        </a:gradFill>
+      </a:fillStyleLst>
+      <a:lnStyleLst>
+        <a:ln w="6350" cap="flat" cmpd="sng" algn="ctr">
+          <a:solidFill>
+            <a:schemeClr val="phClr"/>
+          </a:solidFill>
+          <a:prstDash val="solid"/>
+          <a:miter lim="800000"/>
+        </a:ln>
+        <a:ln w="12700" cap="flat" cmpd="sng" algn="ctr">
+          <a:solidFill>
+            <a:schemeClr val="phClr"/>
+          </a:solidFill>
+          <a:prstDash val="solid"/>
+          <a:miter lim="800000"/>
+        </a:ln>
+        <a:ln w="19050" cap="flat" cmpd="sng" algn="ctr">
+          <a:solidFill>
+            <a:schemeClr val="phClr"/>
+          </a:solidFill>
+          <a:prstDash val="solid"/>
+          <a:miter lim="800000"/>
+        </a:ln>
+      </a:lnStyleLst>
+      <a:effectStyleLst>
+        <a:effectStyle>
+          <a:effectLst/>
+        </a:effectStyle>
+        <a:effectStyle>
+          <a:effectLst/>
+        </a:effectStyle>
+        <a:effectStyle>
+          <a:effectLst>
+            <a:outerShdw blurRad="57150" dist="19050" dir="5400000" algn="ctr" rotWithShape="0">
+              <a:srgbClr val="000000">
+                <a:alpha val="63000"/>
+              </a:srgbClr>
+            </a:outerShdw>
+          </a:effectLst>
+        </a:effectStyle>
+      </a:effectStyleLst>
+      <a:bgFillStyleLst>
+        <a:solidFill>
+          <a:schemeClr val="phClr"/>
+        </a:solidFill>
+        <a:solidFill>
+          <a:schemeClr val="phClr">
+            <a:tint val="95000"/>
+            <a:satMod val="170000"/>
+          </a:schemeClr>
+        </a:solidFill>
+        <a:gradFill rotWithShape="1">
+          <a:gsLst>
+            <a:gs pos="0">
+              <a:schemeClr val="phClr">
+                <a:tint val="93000"/>
+                <a:satMod val="150000"/>
+                <a:shade val="98000"/>
+                <a:lumMod val="102000"/>
+              </a:schemeClr>
+            </a:gs>
+            <a:gs pos="50000">
+              <a:schemeClr val="phClr">
+                <a:tint val="98000"/>
+                <a:satMod val="130000"/>
+                <a:shade val="90000"/>
+                <a:lumMod val="103000"/>
+              </a:schemeClr>
+            </a:gs>
+            <a:gs pos="100000">
+              <a:schemeClr val="phClr">
+                <a:shade val="63000"/>
+                <a:satMod val="120000"/>
+              </a:schemeClr>
+            </a:gs>
+          </a:gsLst>
+          <a:lin ang="5400000" scaled="0"/>
+        </a:gradFill>
+      </a:bgFillStyleLst>
+    </a:fmtScheme>
+  </a:themeElements>
+  <a:objectDefaults/>
+  <a:extraClrSchemeLst/>
+  <a:extLst>
+    <a:ext uri="{05A4C25C-085E-4340-85A3-A5531E510DB2}">
+      <thm15:themeFamily xmlns:thm15="http://schemas.microsoft.com/office/thememl/2012/main" name="Office Theme" id="{62F939B6-93AF-4DB8-9C6B-D6C7DFDC589F}" vid="{4A3C46E8-61CC-4603-A589-7422A47A8E4A}"/>
+    </a:ext>
+  </a:extLst>
+</a:theme>
 </file>
--- a/Webapp_java.pptx
+++ b/Webapp_java.pptx
@@ -5,7 +5,7 @@
     <p:sldMasterId id="2147483648" r:id="rId1"/>
   </p:sldMasterIdLst>
   <p:notesMasterIdLst>
-    <p:notesMasterId r:id="rId33"/>
+    <p:notesMasterId r:id="rId34"/>
   </p:notesMasterIdLst>
   <p:sldIdLst>
     <p:sldId id="256" r:id="rId2"/>
@@ -39,6 +39,7 @@
     <p:sldId id="287" r:id="rId30"/>
     <p:sldId id="288" r:id="rId31"/>
     <p:sldId id="289" r:id="rId32"/>
+    <p:sldId id="290" r:id="rId33"/>
   </p:sldIdLst>
   <p:sldSz cx="12192000" cy="6858000"/>
   <p:notesSz cx="6858000" cy="9144000"/>
@@ -6734,7 +6735,7 @@
           <a:p>
             <a:r>
               <a:rPr lang="en-US"/>
-              <a:t>Starting the app</a:t>
+              <a:t>Getting started</a:t>
             </a:r>
             <a:endParaRPr lang="en-US"/>
           </a:p>
@@ -6755,15 +6756,16 @@
           <a:bodyPr/>
           <a:lstStyle/>
           <a:p>
-            <a:pPr marL="0" indent="0">
-              <a:lnSpc>
-                <a:spcPct val="150000"/>
-              </a:lnSpc>
-              <a:buNone/>
-            </a:pPr>
-            <a:r>
-              <a:rPr lang="en-US" sz="2000"/>
-              <a:t>Get the source code: </a:t>
+            <a:pPr>
+              <a:lnSpc>
+                <a:spcPct val="150000"/>
+              </a:lnSpc>
+              <a:buFont typeface="Arial" charset="0"/>
+              <a:buChar char="•"/>
+            </a:pPr>
+            <a:r>
+              <a:rPr lang="en-US" sz="2000"/>
+              <a:t>Get the source code &amp; this presentation: </a:t>
             </a:r>
             <a:r>
               <a:rPr lang="en-US" sz="2000" u="sng">
@@ -6774,11 +6776,12 @@
             <a:endParaRPr lang="en-US" sz="2000"/>
           </a:p>
           <a:p>
-            <a:pPr marL="0" indent="0">
-              <a:lnSpc>
-                <a:spcPct val="150000"/>
-              </a:lnSpc>
-              <a:buNone/>
+            <a:pPr>
+              <a:lnSpc>
+                <a:spcPct val="150000"/>
+              </a:lnSpc>
+              <a:buFont typeface="Arial" charset="0"/>
+              <a:buChar char="•"/>
             </a:pPr>
             <a:r>
               <a:rPr lang="en-US" sz="2000"/>
@@ -6826,11 +6829,12 @@
             </a:r>
           </a:p>
           <a:p>
-            <a:pPr marL="0" indent="0">
-              <a:lnSpc>
-                <a:spcPct val="150000"/>
-              </a:lnSpc>
-              <a:buNone/>
+            <a:pPr>
+              <a:lnSpc>
+                <a:spcPct val="150000"/>
+              </a:lnSpc>
+              <a:buFont typeface="Arial" charset="0"/>
+              <a:buChar char="•"/>
             </a:pPr>
             <a:r>
               <a:rPr lang="en-US" sz="2000"/>
@@ -6855,11 +6859,12 @@
             <a:endParaRPr lang="en-US" sz="2000"/>
           </a:p>
           <a:p>
-            <a:pPr marL="0" indent="0">
-              <a:lnSpc>
-                <a:spcPct val="150000"/>
-              </a:lnSpc>
-              <a:buNone/>
+            <a:pPr>
+              <a:lnSpc>
+                <a:spcPct val="150000"/>
+              </a:lnSpc>
+              <a:buFont typeface="Arial" charset="0"/>
+              <a:buChar char="•"/>
             </a:pPr>
             <a:r>
               <a:rPr lang="en-US" sz="2000"/>
@@ -6907,23 +6912,25 @@
             </a:r>
           </a:p>
           <a:p>
-            <a:pPr marL="0" indent="0">
-              <a:lnSpc>
-                <a:spcPct val="150000"/>
-              </a:lnSpc>
-              <a:buNone/>
-            </a:pPr>
-            <a:r>
-              <a:rPr lang="en-US" sz="2000"/>
-              <a:t>Make sure the spring.xml has the correct user/pass for your MySQL! And that MySQL is running!</a:t>
-            </a:r>
-          </a:p>
-          <a:p>
-            <a:pPr marL="0" indent="0">
-              <a:lnSpc>
-                <a:spcPct val="150000"/>
-              </a:lnSpc>
-              <a:buNone/>
+            <a:pPr>
+              <a:lnSpc>
+                <a:spcPct val="150000"/>
+              </a:lnSpc>
+              <a:buFont typeface="Arial" charset="0"/>
+              <a:buChar char="•"/>
+            </a:pPr>
+            <a:r>
+              <a:rPr lang="en-US" sz="2000"/>
+              <a:t>Make sure that spring.xml has the correct user/pass for your MySQL! And that MySQL is running!</a:t>
+            </a:r>
+          </a:p>
+          <a:p>
+            <a:pPr>
+              <a:lnSpc>
+                <a:spcPct val="150000"/>
+              </a:lnSpc>
+              <a:buFont typeface="Arial" charset="0"/>
+              <a:buChar char="•"/>
             </a:pPr>
             <a:r>
               <a:rPr lang="en-US" sz="2000"/>
@@ -6931,11 +6938,12 @@
             </a:r>
           </a:p>
           <a:p>
-            <a:pPr marL="0" indent="0">
-              <a:lnSpc>
-                <a:spcPct val="150000"/>
-              </a:lnSpc>
-              <a:buNone/>
+            <a:pPr>
+              <a:lnSpc>
+                <a:spcPct val="150000"/>
+              </a:lnSpc>
+              <a:buFont typeface="Arial" charset="0"/>
+              <a:buChar char="•"/>
             </a:pPr>
             <a:r>
               <a:rPr lang="en-US" sz="2000"/>
@@ -7009,7 +7017,7 @@
         </p:nvSpPr>
         <p:spPr>
           <a:xfrm>
-            <a:off x="838200" y="106878"/>
+            <a:off x="695696" y="1080655"/>
             <a:ext cx="5181600" cy="6070085"/>
           </a:xfrm>
         </p:spPr>
@@ -7087,7 +7095,7 @@
             </a:pPr>
             <a:r>
               <a:rPr lang="en-US" sz="1400" b="1"/>
-              <a:t>Backend och frontend:</a:t>
+              <a:t>Backend and frontend:</a:t>
             </a:r>
             <a:endParaRPr lang="en-US" sz="1400"/>
           </a:p>
@@ -7151,7 +7159,7 @@
         </p:nvSpPr>
         <p:spPr>
           <a:xfrm>
-            <a:off x="6172200" y="106878"/>
+            <a:off x="6172200" y="1080655"/>
             <a:ext cx="5181600" cy="6604165"/>
           </a:xfrm>
         </p:spPr>
@@ -7256,25 +7264,43 @@
             </a:pPr>
             <a:r>
               <a:rPr lang="en-US" sz="1400"/>
-              <a:t>The Status-task is quite big, but has the advantage of touching all three parts: The Java-backend, Bootstrap and Angular</a:t>
-            </a:r>
-          </a:p>
-          <a:p>
-            <a:pPr marL="0" indent="0">
-              <a:lnSpc>
-                <a:spcPct val="150000"/>
-              </a:lnSpc>
-              <a:buNone/>
-            </a:pPr>
-            <a:r>
-              <a:rPr lang="en-US" sz="1400"/>
-              <a:t>Source code for full app: </a:t>
+              <a:t>Source with solutions: </a:t>
             </a:r>
             <a:r>
               <a:rPr lang="en-US" sz="1400" u="sng"/>
               <a:t>https://github.com/aludkiewicz/java_webapp</a:t>
             </a:r>
             <a:endParaRPr lang="en-US" sz="1400"/>
+          </a:p>
+        </p:txBody>
+      </p:sp>
+      <p:sp>
+        <p:nvSpPr>
+          <p:cNvPr id="6" name="TextBox 5"/>
+          <p:cNvSpPr txBox="1"/>
+          <p:nvPr/>
+        </p:nvSpPr>
+        <p:spPr>
+          <a:xfrm>
+            <a:off x="695696" y="331804"/>
+            <a:ext cx="2529444" cy="523220"/>
+          </a:xfrm>
+          <a:prstGeom prst="rect">
+            <a:avLst/>
+          </a:prstGeom>
+          <a:noFill/>
+        </p:spPr>
+        <p:txBody>
+          <a:bodyPr wrap="square" rtlCol="0">
+            <a:spAutoFit/>
+          </a:bodyPr>
+          <a:lstStyle/>
+          <a:p>
+            <a:r>
+              <a:rPr lang="en-US" sz="2800"/>
+              <a:t>Tasks</a:t>
+            </a:r>
+            <a:endParaRPr lang="en-US"/>
           </a:p>
         </p:txBody>
       </p:sp>
@@ -7761,30 +7787,6 @@
             </a:pPr>
             <a:endParaRPr lang="en-US" sz="100"/>
           </a:p>
-          <a:p>
-            <a:pPr marL="0" indent="0">
-              <a:lnSpc>
-                <a:spcPct val="150000"/>
-              </a:lnSpc>
-              <a:buNone/>
-            </a:pPr>
-            <a:r>
-              <a:rPr lang="en-US" sz="2000"/>
-              <a:t>The response contains follow-up links. Which links are included may vary, depending on the state of the resource. </a:t>
-            </a:r>
-          </a:p>
-          <a:p>
-            <a:pPr marL="0" indent="0">
-              <a:lnSpc>
-                <a:spcPct val="150000"/>
-              </a:lnSpc>
-              <a:buNone/>
-            </a:pPr>
-            <a:r>
-              <a:rPr lang="en-US" sz="2000"/>
-              <a:t>E.g. if an account is overdrawn, maybe the only possible action is to deposit money into it.</a:t>
-            </a:r>
-          </a:p>
         </p:txBody>
       </p:sp>
       <p:sp>
@@ -7810,7 +7812,7 @@
           <a:lstStyle/>
           <a:p>
             <a:r>
-              <a:rPr lang="en-US" sz="1400"/>
+              <a:rPr lang="en-US" sz="1400" b="1"/>
               <a:t>Normal REST response:</a:t>
             </a:r>
           </a:p>
@@ -7836,100 +7838,6 @@
             <a:r>
               <a:rPr lang="en-US" sz="1400"/>
               <a:t>}</a:t>
-            </a:r>
-            <a:endParaRPr lang="fr-FR" sz="1400"/>
-          </a:p>
-        </p:txBody>
-      </p:sp>
-      <p:sp>
-        <p:nvSpPr>
-          <p:cNvPr id="6" name="TextBox 5"/>
-          <p:cNvSpPr txBox="1"/>
-          <p:nvPr/>
-        </p:nvSpPr>
-        <p:spPr>
-          <a:xfrm>
-            <a:off x="4904509" y="2696806"/>
-            <a:ext cx="6650182" cy="2462213"/>
-          </a:xfrm>
-          <a:prstGeom prst="rect">
-            <a:avLst/>
-          </a:prstGeom>
-          <a:noFill/>
-        </p:spPr>
-        <p:txBody>
-          <a:bodyPr wrap="square" rtlCol="0">
-            <a:spAutoFit/>
-          </a:bodyPr>
-          <a:lstStyle/>
-          <a:p>
-            <a:r>
-              <a:rPr lang="en-US" sz="1400"/>
-              <a:t>HATEOAS type-response:</a:t>
-            </a:r>
-          </a:p>
-          <a:p>
-            <a:r>
-              <a:rPr lang="en-US" sz="1400"/>
-              <a:t>{“content”: [ {</a:t>
-            </a:r>
-          </a:p>
-          <a:p>
-            <a:r>
-              <a:rPr lang="en-US" sz="1400"/>
-              <a:t>    “name”: “Alex”, </a:t>
-            </a:r>
-          </a:p>
-          <a:p>
-            <a:r>
-              <a:rPr lang="en-US" sz="1400"/>
-              <a:t>        "links": [ {</a:t>
-            </a:r>
-          </a:p>
-          <a:p>
-            <a:r>
-              <a:rPr lang="en-US" sz="1400"/>
-              <a:t>              "rel": "self",</a:t>
-            </a:r>
-          </a:p>
-          <a:p>
-            <a:r>
-              <a:rPr lang="en-US" sz="1400"/>
-              <a:t>              "href”:"http://foo.bar/customer/1"} ]},</a:t>
-            </a:r>
-          </a:p>
-          <a:p>
-            <a:r>
-              <a:rPr lang="en-US" sz="1400"/>
-              <a:t>    {</a:t>
-            </a:r>
-          </a:p>
-          <a:p>
-            <a:r>
-              <a:rPr lang="en-US" sz="1400"/>
-              <a:t>     “account_no”: 12345,</a:t>
-            </a:r>
-          </a:p>
-          <a:p>
-            <a:r>
-              <a:rPr lang="en-US" sz="1400"/>
-              <a:t>         "links": [ {</a:t>
-            </a:r>
-          </a:p>
-          <a:p>
-            <a:r>
-              <a:rPr lang="en-US" sz="1400"/>
-              <a:t>              "rel": ”deposit",</a:t>
-            </a:r>
-          </a:p>
-          <a:p>
-            <a:r>
-              <a:rPr lang="en-US" sz="1400"/>
-              <a:t>              "href”:"http://foo.bar/account/deposit/12345"}</a:t>
-            </a:r>
-            <a:r>
-              <a:rPr lang="en-US" sz="1400"/>
-              <a:t> }]}</a:t>
             </a:r>
             <a:endParaRPr lang="fr-FR" sz="1400"/>
           </a:p>
@@ -8077,30 +7985,6 @@
             </a:pPr>
             <a:endParaRPr lang="en-US" sz="100"/>
           </a:p>
-          <a:p>
-            <a:pPr marL="0" indent="0">
-              <a:lnSpc>
-                <a:spcPct val="150000"/>
-              </a:lnSpc>
-              <a:buNone/>
-            </a:pPr>
-            <a:r>
-              <a:rPr lang="en-US" sz="2000"/>
-              <a:t>The response contains follow-up links. Which links are included may vary, depending on the state of the resource. </a:t>
-            </a:r>
-          </a:p>
-          <a:p>
-            <a:pPr marL="0" indent="0">
-              <a:lnSpc>
-                <a:spcPct val="150000"/>
-              </a:lnSpc>
-              <a:buNone/>
-            </a:pPr>
-            <a:r>
-              <a:rPr lang="en-US" sz="2000"/>
-              <a:t>E.g. if an account is overdrawn, maybe the only possible action is to deposit money into it.</a:t>
-            </a:r>
-          </a:p>
         </p:txBody>
       </p:sp>
       <p:sp>
@@ -8126,7 +8010,7 @@
           <a:lstStyle/>
           <a:p>
             <a:r>
-              <a:rPr lang="en-US" sz="1400"/>
+              <a:rPr lang="en-US" sz="1400" b="1"/>
               <a:t>Normal REST response:</a:t>
             </a:r>
           </a:p>
@@ -8180,7 +8064,7 @@
           <a:lstStyle/>
           <a:p>
             <a:r>
-              <a:rPr lang="en-US" sz="1400"/>
+              <a:rPr lang="en-US" sz="1400" b="1"/>
               <a:t>HATEOAS type-response:</a:t>
             </a:r>
           </a:p>
@@ -8255,6 +8139,322 @@
     <p:extLst>
       <p:ext uri="{BB962C8B-B14F-4D97-AF65-F5344CB8AC3E}">
         <p14:creationId xmlns:p14="http://schemas.microsoft.com/office/powerpoint/2010/main" val="1161545017"/>
+      </p:ext>
+    </p:extLst>
+  </p:cSld>
+  <p:clrMapOvr>
+    <a:masterClrMapping/>
+  </p:clrMapOvr>
+</p:sld>
+</file>
+
+<file path=ppt/slides/slide32.xml><?xml version="1.0" encoding="utf-8"?>
+<p:sld xmlns:a="http://schemas.openxmlformats.org/drawingml/2006/main" xmlns:r="http://schemas.openxmlformats.org/officeDocument/2006/relationships" xmlns:p="http://schemas.openxmlformats.org/presentationml/2006/main">
+  <p:cSld>
+    <p:spTree>
+      <p:nvGrpSpPr>
+        <p:cNvPr id="1" name=""/>
+        <p:cNvGrpSpPr/>
+        <p:nvPr/>
+      </p:nvGrpSpPr>
+      <p:grpSpPr>
+        <a:xfrm>
+          <a:off x="0" y="0"/>
+          <a:ext cx="0" cy="0"/>
+          <a:chOff x="0" y="0"/>
+          <a:chExt cx="0" cy="0"/>
+        </a:xfrm>
+      </p:grpSpPr>
+      <p:sp>
+        <p:nvSpPr>
+          <p:cNvPr id="2" name="Title 1"/>
+          <p:cNvSpPr>
+            <a:spLocks noGrp="1"/>
+          </p:cNvSpPr>
+          <p:nvPr>
+            <p:ph type="title"/>
+          </p:nvPr>
+        </p:nvSpPr>
+        <p:spPr/>
+        <p:txBody>
+          <a:bodyPr/>
+          <a:lstStyle/>
+          <a:p>
+            <a:r>
+              <a:rPr lang="en-US"/>
+              <a:t>HATEOAS</a:t>
+            </a:r>
+          </a:p>
+        </p:txBody>
+      </p:sp>
+      <p:sp>
+        <p:nvSpPr>
+          <p:cNvPr id="3" name="Content Placeholder 2"/>
+          <p:cNvSpPr>
+            <a:spLocks noGrp="1"/>
+          </p:cNvSpPr>
+          <p:nvPr>
+            <p:ph sz="half" idx="1"/>
+          </p:nvPr>
+        </p:nvSpPr>
+        <p:spPr>
+          <a:xfrm>
+            <a:off x="838200" y="1504256"/>
+            <a:ext cx="10515600" cy="5353743"/>
+          </a:xfrm>
+        </p:spPr>
+        <p:txBody>
+          <a:bodyPr>
+            <a:normAutofit/>
+          </a:bodyPr>
+          <a:lstStyle/>
+          <a:p>
+            <a:pPr marL="0" indent="0">
+              <a:lnSpc>
+                <a:spcPct val="150000"/>
+              </a:lnSpc>
+              <a:buNone/>
+            </a:pPr>
+            <a:r>
+              <a:rPr lang="en-US" sz="2000"/>
+              <a:t>HATEOAS (Hypermedia as the Engine of Application State) is a constraint on REST</a:t>
+            </a:r>
+          </a:p>
+          <a:p>
+            <a:pPr marL="0" indent="0">
+              <a:lnSpc>
+                <a:spcPct val="150000"/>
+              </a:lnSpc>
+              <a:buNone/>
+            </a:pPr>
+            <a:r>
+              <a:rPr lang="en-US" sz="2000"/>
+              <a:t>A HATEOAS site dynamically provides information on how to navigate its’ REST-interfaces</a:t>
+            </a:r>
+          </a:p>
+          <a:p>
+            <a:pPr marL="0" indent="0">
+              <a:lnSpc>
+                <a:spcPct val="150000"/>
+              </a:lnSpc>
+              <a:buNone/>
+            </a:pPr>
+            <a:endParaRPr lang="en-US" sz="2000"/>
+          </a:p>
+          <a:p>
+            <a:pPr marL="0" indent="0">
+              <a:lnSpc>
+                <a:spcPct val="150000"/>
+              </a:lnSpc>
+              <a:buNone/>
+            </a:pPr>
+            <a:endParaRPr lang="en-US" sz="2000"/>
+          </a:p>
+          <a:p>
+            <a:pPr marL="0" indent="0">
+              <a:lnSpc>
+                <a:spcPct val="150000"/>
+              </a:lnSpc>
+              <a:buNone/>
+            </a:pPr>
+            <a:endParaRPr lang="en-US" sz="2000"/>
+          </a:p>
+          <a:p>
+            <a:pPr marL="0" indent="0">
+              <a:lnSpc>
+                <a:spcPct val="150000"/>
+              </a:lnSpc>
+              <a:buNone/>
+            </a:pPr>
+            <a:endParaRPr lang="en-US" sz="2000"/>
+          </a:p>
+          <a:p>
+            <a:pPr marL="0" indent="0">
+              <a:lnSpc>
+                <a:spcPct val="150000"/>
+              </a:lnSpc>
+              <a:buNone/>
+            </a:pPr>
+            <a:endParaRPr lang="en-US" sz="100"/>
+          </a:p>
+          <a:p>
+            <a:pPr marL="0" indent="0">
+              <a:lnSpc>
+                <a:spcPct val="150000"/>
+              </a:lnSpc>
+              <a:buNone/>
+            </a:pPr>
+            <a:r>
+              <a:rPr lang="en-US" sz="2000"/>
+              <a:t>The response contains follow-up links. Which links are included may vary, depending on the state of the resource. </a:t>
+            </a:r>
+          </a:p>
+          <a:p>
+            <a:pPr marL="0" indent="0">
+              <a:lnSpc>
+                <a:spcPct val="150000"/>
+              </a:lnSpc>
+              <a:buNone/>
+            </a:pPr>
+            <a:r>
+              <a:rPr lang="en-US" sz="2000"/>
+              <a:t>E.g. if an account is overdrawn, maybe the only possible action is to deposit money into it.</a:t>
+            </a:r>
+          </a:p>
+        </p:txBody>
+      </p:sp>
+      <p:sp>
+        <p:nvSpPr>
+          <p:cNvPr id="5" name="TextBox 4"/>
+          <p:cNvSpPr txBox="1"/>
+          <p:nvPr/>
+        </p:nvSpPr>
+        <p:spPr>
+          <a:xfrm>
+            <a:off x="1318161" y="2696806"/>
+            <a:ext cx="4465122" cy="1169551"/>
+          </a:xfrm>
+          <a:prstGeom prst="rect">
+            <a:avLst/>
+          </a:prstGeom>
+          <a:noFill/>
+        </p:spPr>
+        <p:txBody>
+          <a:bodyPr wrap="square" rtlCol="0">
+            <a:spAutoFit/>
+          </a:bodyPr>
+          <a:lstStyle/>
+          <a:p>
+            <a:r>
+              <a:rPr lang="en-US" sz="1400" b="1"/>
+              <a:t>Normal REST response:</a:t>
+            </a:r>
+          </a:p>
+          <a:p>
+            <a:r>
+              <a:rPr lang="en-US" sz="1400"/>
+              <a:t>{</a:t>
+            </a:r>
+          </a:p>
+          <a:p>
+            <a:r>
+              <a:rPr lang="en-US" sz="1400"/>
+              <a:t>“name”: “Alex”,</a:t>
+            </a:r>
+          </a:p>
+          <a:p>
+            <a:r>
+              <a:rPr lang="en-US" sz="1400"/>
+              <a:t>“account_no”: 12345</a:t>
+            </a:r>
+          </a:p>
+          <a:p>
+            <a:r>
+              <a:rPr lang="en-US" sz="1400"/>
+              <a:t>}</a:t>
+            </a:r>
+            <a:endParaRPr lang="fr-FR" sz="1400"/>
+          </a:p>
+        </p:txBody>
+      </p:sp>
+      <p:sp>
+        <p:nvSpPr>
+          <p:cNvPr id="6" name="TextBox 5"/>
+          <p:cNvSpPr txBox="1"/>
+          <p:nvPr/>
+        </p:nvSpPr>
+        <p:spPr>
+          <a:xfrm>
+            <a:off x="4904509" y="2696806"/>
+            <a:ext cx="6650182" cy="2462213"/>
+          </a:xfrm>
+          <a:prstGeom prst="rect">
+            <a:avLst/>
+          </a:prstGeom>
+          <a:noFill/>
+        </p:spPr>
+        <p:txBody>
+          <a:bodyPr wrap="square" rtlCol="0">
+            <a:spAutoFit/>
+          </a:bodyPr>
+          <a:lstStyle/>
+          <a:p>
+            <a:r>
+              <a:rPr lang="en-US" sz="1400" b="1"/>
+              <a:t>HATEOAS type-response:</a:t>
+            </a:r>
+          </a:p>
+          <a:p>
+            <a:r>
+              <a:rPr lang="en-US" sz="1400"/>
+              <a:t>{“content”: [ {</a:t>
+            </a:r>
+          </a:p>
+          <a:p>
+            <a:r>
+              <a:rPr lang="en-US" sz="1400"/>
+              <a:t>    “name”: “Alex”, </a:t>
+            </a:r>
+          </a:p>
+          <a:p>
+            <a:r>
+              <a:rPr lang="en-US" sz="1400"/>
+              <a:t>        "links": [ {</a:t>
+            </a:r>
+          </a:p>
+          <a:p>
+            <a:r>
+              <a:rPr lang="en-US" sz="1400"/>
+              <a:t>              "rel": "self",</a:t>
+            </a:r>
+          </a:p>
+          <a:p>
+            <a:r>
+              <a:rPr lang="en-US" sz="1400"/>
+              <a:t>              "href”:"http://foo.bar/customer/1"} ]},</a:t>
+            </a:r>
+          </a:p>
+          <a:p>
+            <a:r>
+              <a:rPr lang="en-US" sz="1400"/>
+              <a:t>    {</a:t>
+            </a:r>
+          </a:p>
+          <a:p>
+            <a:r>
+              <a:rPr lang="en-US" sz="1400"/>
+              <a:t>     “account_no”: 12345,</a:t>
+            </a:r>
+          </a:p>
+          <a:p>
+            <a:r>
+              <a:rPr lang="en-US" sz="1400"/>
+              <a:t>         "links": [ {</a:t>
+            </a:r>
+          </a:p>
+          <a:p>
+            <a:r>
+              <a:rPr lang="en-US" sz="1400"/>
+              <a:t>              "rel": ”deposit",</a:t>
+            </a:r>
+          </a:p>
+          <a:p>
+            <a:r>
+              <a:rPr lang="en-US" sz="1400"/>
+              <a:t>              "href”:"http://foo.bar/account/deposit/12345"}</a:t>
+            </a:r>
+            <a:r>
+              <a:rPr lang="en-US" sz="1400"/>
+              <a:t> }]}</a:t>
+            </a:r>
+            <a:endParaRPr lang="fr-FR" sz="1400"/>
+          </a:p>
+        </p:txBody>
+      </p:sp>
+    </p:spTree>
+    <p:extLst>
+      <p:ext uri="{BB962C8B-B14F-4D97-AF65-F5344CB8AC3E}">
+        <p14:creationId xmlns:p14="http://schemas.microsoft.com/office/powerpoint/2010/main" val="184788191"/>
       </p:ext>
     </p:extLst>
   </p:cSld>
